--- a/Curso de Autolisp_Clase05.pptx
+++ b/Curso de Autolisp_Clase05.pptx
@@ -13,7 +13,10 @@
     <p:sldId id="290" r:id="rId7"/>
     <p:sldId id="293" r:id="rId8"/>
     <p:sldId id="292" r:id="rId9"/>
-    <p:sldId id="294" r:id="rId10"/>
+    <p:sldId id="295" r:id="rId10"/>
+    <p:sldId id="296" r:id="rId11"/>
+    <p:sldId id="297" r:id="rId12"/>
+    <p:sldId id="294" r:id="rId13"/>
   </p:sldIdLst>
   <p:sldSz cx="12192000" cy="6858000"/>
   <p:notesSz cx="6858000" cy="9144000"/>
@@ -123,7 +126,7 @@
 <file path=ppt/revisionInfo.xml><?xml version="1.0" encoding="utf-8"?>
 <p1510:revInfo xmlns:a="http://schemas.openxmlformats.org/drawingml/2006/main" xmlns:r="http://schemas.openxmlformats.org/officeDocument/2006/relationships" xmlns:p1510="http://schemas.microsoft.com/office/powerpoint/2015/10/main">
   <p1510:revLst>
-    <p1510:client id="{43E99E37-5516-48D0-B549-1DBDBD048EB5}" v="141" dt="2020-04-06T14:18:46.421"/>
+    <p1510:client id="{43E99E37-5516-48D0-B549-1DBDBD048EB5}" v="175" dt="2020-04-06T20:43:24.190"/>
   </p1510:revLst>
 </p1510:revInfo>
 </file>
@@ -133,7 +136,7 @@
   <pc:docChgLst>
     <pc:chgData name="Diego Cass" userId="78b1f702ed5b9641" providerId="LiveId" clId="{43E99E37-5516-48D0-B549-1DBDBD048EB5}"/>
     <pc:docChg chg="undo custSel addSld delSld modSld sldOrd">
-      <pc:chgData name="Diego Cass" userId="78b1f702ed5b9641" providerId="LiveId" clId="{43E99E37-5516-48D0-B549-1DBDBD048EB5}" dt="2020-04-06T14:18:46.421" v="2346" actId="20577"/>
+      <pc:chgData name="Diego Cass" userId="78b1f702ed5b9641" providerId="LiveId" clId="{43E99E37-5516-48D0-B549-1DBDBD048EB5}" dt="2020-04-06T20:43:27.101" v="2926" actId="27636"/>
       <pc:docMkLst>
         <pc:docMk/>
       </pc:docMkLst>
@@ -865,6 +868,75 @@
             <ac:picMk id="10" creationId="{88BD1590-AA86-4C7A-8129-CF0AD2C8BAC8}"/>
           </ac:picMkLst>
         </pc:picChg>
+      </pc:sldChg>
+      <pc:sldChg chg="modSp add mod">
+        <pc:chgData name="Diego Cass" userId="78b1f702ed5b9641" providerId="LiveId" clId="{43E99E37-5516-48D0-B549-1DBDBD048EB5}" dt="2020-04-06T20:40:30.510" v="2737" actId="20577"/>
+        <pc:sldMkLst>
+          <pc:docMk/>
+          <pc:sldMk cId="392215547" sldId="295"/>
+        </pc:sldMkLst>
+        <pc:spChg chg="mod">
+          <ac:chgData name="Diego Cass" userId="78b1f702ed5b9641" providerId="LiveId" clId="{43E99E37-5516-48D0-B549-1DBDBD048EB5}" dt="2020-04-06T20:33:56.671" v="2371" actId="20577"/>
+          <ac:spMkLst>
+            <pc:docMk/>
+            <pc:sldMk cId="392215547" sldId="295"/>
+            <ac:spMk id="8" creationId="{B8300CEE-18F0-4F8B-B2F5-E88058F4C56F}"/>
+          </ac:spMkLst>
+        </pc:spChg>
+        <pc:spChg chg="mod">
+          <ac:chgData name="Diego Cass" userId="78b1f702ed5b9641" providerId="LiveId" clId="{43E99E37-5516-48D0-B549-1DBDBD048EB5}" dt="2020-04-06T20:40:30.510" v="2737" actId="20577"/>
+          <ac:spMkLst>
+            <pc:docMk/>
+            <pc:sldMk cId="392215547" sldId="295"/>
+            <ac:spMk id="10" creationId="{5EB2B07C-E61D-4766-84C9-9A1BDCAA2AA8}"/>
+          </ac:spMkLst>
+        </pc:spChg>
+      </pc:sldChg>
+      <pc:sldChg chg="modSp add mod">
+        <pc:chgData name="Diego Cass" userId="78b1f702ed5b9641" providerId="LiveId" clId="{43E99E37-5516-48D0-B549-1DBDBD048EB5}" dt="2020-04-06T20:40:39.739" v="2739" actId="27636"/>
+        <pc:sldMkLst>
+          <pc:docMk/>
+          <pc:sldMk cId="791150248" sldId="296"/>
+        </pc:sldMkLst>
+        <pc:spChg chg="mod">
+          <ac:chgData name="Diego Cass" userId="78b1f702ed5b9641" providerId="LiveId" clId="{43E99E37-5516-48D0-B549-1DBDBD048EB5}" dt="2020-04-06T20:36:26.626" v="2509" actId="20577"/>
+          <ac:spMkLst>
+            <pc:docMk/>
+            <pc:sldMk cId="791150248" sldId="296"/>
+            <ac:spMk id="8" creationId="{B8300CEE-18F0-4F8B-B2F5-E88058F4C56F}"/>
+          </ac:spMkLst>
+        </pc:spChg>
+        <pc:spChg chg="mod">
+          <ac:chgData name="Diego Cass" userId="78b1f702ed5b9641" providerId="LiveId" clId="{43E99E37-5516-48D0-B549-1DBDBD048EB5}" dt="2020-04-06T20:40:39.739" v="2739" actId="27636"/>
+          <ac:spMkLst>
+            <pc:docMk/>
+            <pc:sldMk cId="791150248" sldId="296"/>
+            <ac:spMk id="10" creationId="{5EB2B07C-E61D-4766-84C9-9A1BDCAA2AA8}"/>
+          </ac:spMkLst>
+        </pc:spChg>
+      </pc:sldChg>
+      <pc:sldChg chg="modSp add mod ord">
+        <pc:chgData name="Diego Cass" userId="78b1f702ed5b9641" providerId="LiveId" clId="{43E99E37-5516-48D0-B549-1DBDBD048EB5}" dt="2020-04-06T20:43:27.101" v="2926" actId="27636"/>
+        <pc:sldMkLst>
+          <pc:docMk/>
+          <pc:sldMk cId="792372015" sldId="297"/>
+        </pc:sldMkLst>
+        <pc:spChg chg="mod">
+          <ac:chgData name="Diego Cass" userId="78b1f702ed5b9641" providerId="LiveId" clId="{43E99E37-5516-48D0-B549-1DBDBD048EB5}" dt="2020-04-06T20:40:18.863" v="2729" actId="20577"/>
+          <ac:spMkLst>
+            <pc:docMk/>
+            <pc:sldMk cId="792372015" sldId="297"/>
+            <ac:spMk id="8" creationId="{B8300CEE-18F0-4F8B-B2F5-E88058F4C56F}"/>
+          </ac:spMkLst>
+        </pc:spChg>
+        <pc:spChg chg="mod">
+          <ac:chgData name="Diego Cass" userId="78b1f702ed5b9641" providerId="LiveId" clId="{43E99E37-5516-48D0-B549-1DBDBD048EB5}" dt="2020-04-06T20:43:27.101" v="2926" actId="27636"/>
+          <ac:spMkLst>
+            <pc:docMk/>
+            <pc:sldMk cId="792372015" sldId="297"/>
+            <ac:spMk id="10" creationId="{5EB2B07C-E61D-4766-84C9-9A1BDCAA2AA8}"/>
+          </ac:spMkLst>
+        </pc:spChg>
       </pc:sldChg>
     </pc:docChg>
   </pc:docChgLst>
@@ -5311,6 +5383,2444 @@
 </p:sld>
 </file>
 
+<file path=ppt/slides/slide10.xml><?xml version="1.0" encoding="utf-8"?>
+<p:sld xmlns:a="http://schemas.openxmlformats.org/drawingml/2006/main" xmlns:r="http://schemas.openxmlformats.org/officeDocument/2006/relationships" xmlns:p="http://schemas.openxmlformats.org/presentationml/2006/main">
+  <p:cSld>
+    <p:spTree>
+      <p:nvGrpSpPr>
+        <p:cNvPr id="1" name=""/>
+        <p:cNvGrpSpPr/>
+        <p:nvPr/>
+      </p:nvGrpSpPr>
+      <p:grpSpPr>
+        <a:xfrm>
+          <a:off x="0" y="0"/>
+          <a:ext cx="0" cy="0"/>
+          <a:chOff x="0" y="0"/>
+          <a:chExt cx="0" cy="0"/>
+        </a:xfrm>
+      </p:grpSpPr>
+      <p:sp>
+        <p:nvSpPr>
+          <p:cNvPr id="8" name="Título 1">
+            <a:extLst>
+              <a:ext uri="{FF2B5EF4-FFF2-40B4-BE49-F238E27FC236}">
+                <a16:creationId xmlns:a16="http://schemas.microsoft.com/office/drawing/2014/main" id="{B8300CEE-18F0-4F8B-B2F5-E88058F4C56F}"/>
+              </a:ext>
+            </a:extLst>
+          </p:cNvPr>
+          <p:cNvSpPr>
+            <a:spLocks noGrp="1"/>
+          </p:cNvSpPr>
+          <p:nvPr>
+            <p:ph type="title"/>
+          </p:nvPr>
+        </p:nvSpPr>
+        <p:spPr>
+          <a:xfrm>
+            <a:off x="838200" y="365125"/>
+            <a:ext cx="10515600" cy="633251"/>
+          </a:xfrm>
+        </p:spPr>
+        <p:txBody>
+          <a:bodyPr>
+            <a:normAutofit fontScale="90000"/>
+          </a:bodyPr>
+          <a:lstStyle/>
+          <a:p>
+            <a:r>
+              <a:rPr lang="es-AR" dirty="0"/>
+              <a:t>COND. Ejemplo</a:t>
+            </a:r>
+          </a:p>
+        </p:txBody>
+      </p:sp>
+      <p:sp>
+        <p:nvSpPr>
+          <p:cNvPr id="10" name="Marcador de contenido 4">
+            <a:extLst>
+              <a:ext uri="{FF2B5EF4-FFF2-40B4-BE49-F238E27FC236}">
+                <a16:creationId xmlns:a16="http://schemas.microsoft.com/office/drawing/2014/main" id="{5EB2B07C-E61D-4766-84C9-9A1BDCAA2AA8}"/>
+              </a:ext>
+            </a:extLst>
+          </p:cNvPr>
+          <p:cNvSpPr txBox="1">
+            <a:spLocks/>
+          </p:cNvSpPr>
+          <p:nvPr/>
+        </p:nvSpPr>
+        <p:spPr>
+          <a:xfrm>
+            <a:off x="470452" y="1106905"/>
+            <a:ext cx="11251095" cy="5385970"/>
+          </a:xfrm>
+          <a:prstGeom prst="rect">
+            <a:avLst/>
+          </a:prstGeom>
+        </p:spPr>
+        <p:txBody>
+          <a:bodyPr vert="horz" lIns="91440" tIns="45720" rIns="91440" bIns="45720" rtlCol="0">
+            <a:normAutofit fontScale="92500" lnSpcReduction="10000"/>
+          </a:bodyPr>
+          <a:lstStyle>
+            <a:lvl1pPr marL="228600" indent="-228600" algn="l" defTabSz="914400" rtl="0" eaLnBrk="1" latinLnBrk="0" hangingPunct="1">
+              <a:lnSpc>
+                <a:spcPct val="90000"/>
+              </a:lnSpc>
+              <a:spcBef>
+                <a:spcPts val="1000"/>
+              </a:spcBef>
+              <a:buFont typeface="Arial" panose="020B0604020202020204" pitchFamily="34" charset="0"/>
+              <a:buChar char="•"/>
+              <a:defRPr sz="2800" kern="1200">
+                <a:solidFill>
+                  <a:schemeClr val="tx1"/>
+                </a:solidFill>
+                <a:latin typeface="+mn-lt"/>
+                <a:ea typeface="+mn-ea"/>
+                <a:cs typeface="+mn-cs"/>
+              </a:defRPr>
+            </a:lvl1pPr>
+            <a:lvl2pPr marL="685800" indent="-228600" algn="l" defTabSz="914400" rtl="0" eaLnBrk="1" latinLnBrk="0" hangingPunct="1">
+              <a:lnSpc>
+                <a:spcPct val="90000"/>
+              </a:lnSpc>
+              <a:spcBef>
+                <a:spcPts val="500"/>
+              </a:spcBef>
+              <a:buFont typeface="Arial" panose="020B0604020202020204" pitchFamily="34" charset="0"/>
+              <a:buChar char="•"/>
+              <a:defRPr sz="2400" kern="1200">
+                <a:solidFill>
+                  <a:schemeClr val="tx1"/>
+                </a:solidFill>
+                <a:latin typeface="+mn-lt"/>
+                <a:ea typeface="+mn-ea"/>
+                <a:cs typeface="+mn-cs"/>
+              </a:defRPr>
+            </a:lvl2pPr>
+            <a:lvl3pPr marL="1143000" indent="-228600" algn="l" defTabSz="914400" rtl="0" eaLnBrk="1" latinLnBrk="0" hangingPunct="1">
+              <a:lnSpc>
+                <a:spcPct val="90000"/>
+              </a:lnSpc>
+              <a:spcBef>
+                <a:spcPts val="500"/>
+              </a:spcBef>
+              <a:buFont typeface="Arial" panose="020B0604020202020204" pitchFamily="34" charset="0"/>
+              <a:buChar char="•"/>
+              <a:defRPr sz="2000" kern="1200">
+                <a:solidFill>
+                  <a:schemeClr val="tx1"/>
+                </a:solidFill>
+                <a:latin typeface="+mn-lt"/>
+                <a:ea typeface="+mn-ea"/>
+                <a:cs typeface="+mn-cs"/>
+              </a:defRPr>
+            </a:lvl3pPr>
+            <a:lvl4pPr marL="1600200" indent="-228600" algn="l" defTabSz="914400" rtl="0" eaLnBrk="1" latinLnBrk="0" hangingPunct="1">
+              <a:lnSpc>
+                <a:spcPct val="90000"/>
+              </a:lnSpc>
+              <a:spcBef>
+                <a:spcPts val="500"/>
+              </a:spcBef>
+              <a:buFont typeface="Arial" panose="020B0604020202020204" pitchFamily="34" charset="0"/>
+              <a:buChar char="•"/>
+              <a:defRPr sz="1800" kern="1200">
+                <a:solidFill>
+                  <a:schemeClr val="tx1"/>
+                </a:solidFill>
+                <a:latin typeface="+mn-lt"/>
+                <a:ea typeface="+mn-ea"/>
+                <a:cs typeface="+mn-cs"/>
+              </a:defRPr>
+            </a:lvl4pPr>
+            <a:lvl5pPr marL="2057400" indent="-228600" algn="l" defTabSz="914400" rtl="0" eaLnBrk="1" latinLnBrk="0" hangingPunct="1">
+              <a:lnSpc>
+                <a:spcPct val="90000"/>
+              </a:lnSpc>
+              <a:spcBef>
+                <a:spcPts val="500"/>
+              </a:spcBef>
+              <a:buFont typeface="Arial" panose="020B0604020202020204" pitchFamily="34" charset="0"/>
+              <a:buChar char="•"/>
+              <a:defRPr sz="1800" kern="1200">
+                <a:solidFill>
+                  <a:schemeClr val="tx1"/>
+                </a:solidFill>
+                <a:latin typeface="+mn-lt"/>
+                <a:ea typeface="+mn-ea"/>
+                <a:cs typeface="+mn-cs"/>
+              </a:defRPr>
+            </a:lvl5pPr>
+            <a:lvl6pPr marL="2514600" indent="-228600" algn="l" defTabSz="914400" rtl="0" eaLnBrk="1" latinLnBrk="0" hangingPunct="1">
+              <a:lnSpc>
+                <a:spcPct val="90000"/>
+              </a:lnSpc>
+              <a:spcBef>
+                <a:spcPts val="500"/>
+              </a:spcBef>
+              <a:buFont typeface="Arial" panose="020B0604020202020204" pitchFamily="34" charset="0"/>
+              <a:buChar char="•"/>
+              <a:defRPr sz="1800" kern="1200">
+                <a:solidFill>
+                  <a:schemeClr val="tx1"/>
+                </a:solidFill>
+                <a:latin typeface="+mn-lt"/>
+                <a:ea typeface="+mn-ea"/>
+                <a:cs typeface="+mn-cs"/>
+              </a:defRPr>
+            </a:lvl6pPr>
+            <a:lvl7pPr marL="2971800" indent="-228600" algn="l" defTabSz="914400" rtl="0" eaLnBrk="1" latinLnBrk="0" hangingPunct="1">
+              <a:lnSpc>
+                <a:spcPct val="90000"/>
+              </a:lnSpc>
+              <a:spcBef>
+                <a:spcPts val="500"/>
+              </a:spcBef>
+              <a:buFont typeface="Arial" panose="020B0604020202020204" pitchFamily="34" charset="0"/>
+              <a:buChar char="•"/>
+              <a:defRPr sz="1800" kern="1200">
+                <a:solidFill>
+                  <a:schemeClr val="tx1"/>
+                </a:solidFill>
+                <a:latin typeface="+mn-lt"/>
+                <a:ea typeface="+mn-ea"/>
+                <a:cs typeface="+mn-cs"/>
+              </a:defRPr>
+            </a:lvl7pPr>
+            <a:lvl8pPr marL="3429000" indent="-228600" algn="l" defTabSz="914400" rtl="0" eaLnBrk="1" latinLnBrk="0" hangingPunct="1">
+              <a:lnSpc>
+                <a:spcPct val="90000"/>
+              </a:lnSpc>
+              <a:spcBef>
+                <a:spcPts val="500"/>
+              </a:spcBef>
+              <a:buFont typeface="Arial" panose="020B0604020202020204" pitchFamily="34" charset="0"/>
+              <a:buChar char="•"/>
+              <a:defRPr sz="1800" kern="1200">
+                <a:solidFill>
+                  <a:schemeClr val="tx1"/>
+                </a:solidFill>
+                <a:latin typeface="+mn-lt"/>
+                <a:ea typeface="+mn-ea"/>
+                <a:cs typeface="+mn-cs"/>
+              </a:defRPr>
+            </a:lvl8pPr>
+            <a:lvl9pPr marL="3886200" indent="-228600" algn="l" defTabSz="914400" rtl="0" eaLnBrk="1" latinLnBrk="0" hangingPunct="1">
+              <a:lnSpc>
+                <a:spcPct val="90000"/>
+              </a:lnSpc>
+              <a:spcBef>
+                <a:spcPts val="500"/>
+              </a:spcBef>
+              <a:buFont typeface="Arial" panose="020B0604020202020204" pitchFamily="34" charset="0"/>
+              <a:buChar char="•"/>
+              <a:defRPr sz="1800" kern="1200">
+                <a:solidFill>
+                  <a:schemeClr val="tx1"/>
+                </a:solidFill>
+                <a:latin typeface="+mn-lt"/>
+                <a:ea typeface="+mn-ea"/>
+                <a:cs typeface="+mn-cs"/>
+              </a:defRPr>
+            </a:lvl9pPr>
+          </a:lstStyle>
+          <a:p>
+            <a:pPr marL="0" indent="0">
+              <a:buNone/>
+            </a:pPr>
+            <a:r>
+              <a:rPr lang="it-IT" sz="2000" dirty="0">
+                <a:latin typeface="JetBrains Mono" pitchFamily="2" charset="0"/>
+              </a:rPr>
+              <a:t>(</a:t>
+            </a:r>
+            <a:r>
+              <a:rPr lang="it-IT" sz="2000" dirty="0">
+                <a:solidFill>
+                  <a:srgbClr val="0070C0"/>
+                </a:solidFill>
+                <a:latin typeface="JetBrains Mono" pitchFamily="2" charset="0"/>
+              </a:rPr>
+              <a:t>setq</a:t>
+            </a:r>
+            <a:r>
+              <a:rPr lang="it-IT" sz="2000" dirty="0">
+                <a:latin typeface="JetBrains Mono" pitchFamily="2" charset="0"/>
+              </a:rPr>
+              <a:t> valor 3)</a:t>
+            </a:r>
+          </a:p>
+          <a:p>
+            <a:pPr marL="0" indent="0">
+              <a:buNone/>
+            </a:pPr>
+            <a:r>
+              <a:rPr lang="it-IT" sz="2000" dirty="0">
+                <a:solidFill>
+                  <a:srgbClr val="00B050"/>
+                </a:solidFill>
+                <a:latin typeface="JetBrains Mono" pitchFamily="2" charset="0"/>
+              </a:rPr>
+              <a:t>(</a:t>
+            </a:r>
+            <a:r>
+              <a:rPr lang="it-IT" sz="2000" dirty="0">
+                <a:solidFill>
+                  <a:srgbClr val="0070C0"/>
+                </a:solidFill>
+                <a:latin typeface="JetBrains Mono" pitchFamily="2" charset="0"/>
+              </a:rPr>
+              <a:t>cond</a:t>
+            </a:r>
+          </a:p>
+          <a:p>
+            <a:pPr marL="0" indent="0">
+              <a:buNone/>
+            </a:pPr>
+            <a:r>
+              <a:rPr lang="it-IT" sz="2000" dirty="0">
+                <a:solidFill>
+                  <a:srgbClr val="0070C0"/>
+                </a:solidFill>
+                <a:latin typeface="JetBrains Mono" pitchFamily="2" charset="0"/>
+              </a:rPr>
+              <a:t>  </a:t>
+            </a:r>
+            <a:r>
+              <a:rPr lang="it-IT" sz="2000" dirty="0">
+                <a:solidFill>
+                  <a:srgbClr val="C00000"/>
+                </a:solidFill>
+                <a:latin typeface="JetBrains Mono" pitchFamily="2" charset="0"/>
+              </a:rPr>
+              <a:t>(</a:t>
+            </a:r>
+            <a:r>
+              <a:rPr lang="it-IT" sz="2000" dirty="0">
+                <a:latin typeface="JetBrains Mono" pitchFamily="2" charset="0"/>
+              </a:rPr>
+              <a:t>(</a:t>
+            </a:r>
+            <a:r>
+              <a:rPr lang="it-IT" sz="2000" dirty="0">
+                <a:solidFill>
+                  <a:srgbClr val="0070C0"/>
+                </a:solidFill>
+                <a:latin typeface="JetBrains Mono" pitchFamily="2" charset="0"/>
+              </a:rPr>
+              <a:t>&gt;</a:t>
+            </a:r>
+            <a:r>
+              <a:rPr lang="it-IT" sz="2000" dirty="0">
+                <a:latin typeface="JetBrains Mono" pitchFamily="2" charset="0"/>
+              </a:rPr>
+              <a:t> valor 0)</a:t>
+            </a:r>
+          </a:p>
+          <a:p>
+            <a:pPr marL="0" indent="0">
+              <a:buNone/>
+            </a:pPr>
+            <a:r>
+              <a:rPr lang="it-IT" sz="2000" dirty="0">
+                <a:latin typeface="JetBrains Mono" pitchFamily="2" charset="0"/>
+              </a:rPr>
+              <a:t>	(</a:t>
+            </a:r>
+            <a:r>
+              <a:rPr lang="it-IT" sz="2000" dirty="0">
+                <a:solidFill>
+                  <a:srgbClr val="0070C0"/>
+                </a:solidFill>
+                <a:latin typeface="JetBrains Mono" pitchFamily="2" charset="0"/>
+              </a:rPr>
+              <a:t>princ</a:t>
+            </a:r>
+            <a:r>
+              <a:rPr lang="it-IT" sz="2000" dirty="0">
+                <a:latin typeface="JetBrains Mono" pitchFamily="2" charset="0"/>
+              </a:rPr>
+              <a:t> </a:t>
+            </a:r>
+            <a:r>
+              <a:rPr lang="it-IT" sz="2000" dirty="0">
+                <a:solidFill>
+                  <a:srgbClr val="D755BE"/>
+                </a:solidFill>
+                <a:latin typeface="JetBrains Mono" pitchFamily="2" charset="0"/>
+              </a:rPr>
+              <a:t>"Valor es mayor a 0."</a:t>
+            </a:r>
+            <a:r>
+              <a:rPr lang="it-IT" sz="2000" dirty="0">
+                <a:latin typeface="JetBrains Mono" pitchFamily="2" charset="0"/>
+              </a:rPr>
+              <a:t>)</a:t>
+            </a:r>
+          </a:p>
+          <a:p>
+            <a:pPr marL="0" indent="0">
+              <a:buNone/>
+            </a:pPr>
+            <a:r>
+              <a:rPr lang="it-IT" sz="2000" dirty="0">
+                <a:latin typeface="JetBrains Mono" pitchFamily="2" charset="0"/>
+              </a:rPr>
+              <a:t>  </a:t>
+            </a:r>
+            <a:r>
+              <a:rPr lang="it-IT" sz="2000" dirty="0">
+                <a:solidFill>
+                  <a:srgbClr val="C00000"/>
+                </a:solidFill>
+                <a:latin typeface="JetBrains Mono" pitchFamily="2" charset="0"/>
+              </a:rPr>
+              <a:t>)</a:t>
+            </a:r>
+          </a:p>
+          <a:p>
+            <a:pPr marL="0" indent="0">
+              <a:buNone/>
+            </a:pPr>
+            <a:r>
+              <a:rPr lang="it-IT" sz="2000" dirty="0">
+                <a:solidFill>
+                  <a:srgbClr val="0070C0"/>
+                </a:solidFill>
+                <a:latin typeface="JetBrains Mono" pitchFamily="2" charset="0"/>
+              </a:rPr>
+              <a:t>  </a:t>
+            </a:r>
+            <a:r>
+              <a:rPr lang="it-IT" sz="2000" dirty="0">
+                <a:solidFill>
+                  <a:srgbClr val="C00000"/>
+                </a:solidFill>
+                <a:latin typeface="JetBrains Mono" pitchFamily="2" charset="0"/>
+              </a:rPr>
+              <a:t>(</a:t>
+            </a:r>
+            <a:r>
+              <a:rPr lang="it-IT" sz="2000" dirty="0">
+                <a:latin typeface="JetBrains Mono" pitchFamily="2" charset="0"/>
+              </a:rPr>
+              <a:t>(</a:t>
+            </a:r>
+            <a:r>
+              <a:rPr lang="it-IT" sz="2000" dirty="0">
+                <a:solidFill>
+                  <a:srgbClr val="0070C0"/>
+                </a:solidFill>
+                <a:latin typeface="JetBrains Mono" pitchFamily="2" charset="0"/>
+              </a:rPr>
+              <a:t>&gt;</a:t>
+            </a:r>
+            <a:r>
+              <a:rPr lang="it-IT" sz="2000" dirty="0">
+                <a:latin typeface="JetBrains Mono" pitchFamily="2" charset="0"/>
+              </a:rPr>
+              <a:t> valor 3)</a:t>
+            </a:r>
+          </a:p>
+          <a:p>
+            <a:pPr marL="0" indent="0">
+              <a:buNone/>
+            </a:pPr>
+            <a:r>
+              <a:rPr lang="it-IT" sz="2000" dirty="0">
+                <a:latin typeface="JetBrains Mono" pitchFamily="2" charset="0"/>
+              </a:rPr>
+              <a:t>	(</a:t>
+            </a:r>
+            <a:r>
+              <a:rPr lang="it-IT" sz="2000" dirty="0">
+                <a:solidFill>
+                  <a:srgbClr val="0070C0"/>
+                </a:solidFill>
+                <a:latin typeface="JetBrains Mono" pitchFamily="2" charset="0"/>
+              </a:rPr>
+              <a:t>princ</a:t>
+            </a:r>
+            <a:r>
+              <a:rPr lang="it-IT" sz="2000" dirty="0">
+                <a:latin typeface="JetBrains Mono" pitchFamily="2" charset="0"/>
+              </a:rPr>
+              <a:t> </a:t>
+            </a:r>
+            <a:r>
+              <a:rPr lang="it-IT" sz="2000" dirty="0">
+                <a:solidFill>
+                  <a:srgbClr val="D755BE"/>
+                </a:solidFill>
+                <a:latin typeface="JetBrains Mono" pitchFamily="2" charset="0"/>
+              </a:rPr>
+              <a:t>"Valor es mayor a 3."</a:t>
+            </a:r>
+            <a:r>
+              <a:rPr lang="it-IT" sz="2000" dirty="0">
+                <a:latin typeface="JetBrains Mono" pitchFamily="2" charset="0"/>
+              </a:rPr>
+              <a:t>)</a:t>
+            </a:r>
+          </a:p>
+          <a:p>
+            <a:pPr marL="0" indent="0">
+              <a:buNone/>
+            </a:pPr>
+            <a:r>
+              <a:rPr lang="it-IT" sz="2000" dirty="0">
+                <a:latin typeface="JetBrains Mono" pitchFamily="2" charset="0"/>
+              </a:rPr>
+              <a:t>  </a:t>
+            </a:r>
+            <a:r>
+              <a:rPr lang="it-IT" sz="2000" dirty="0">
+                <a:solidFill>
+                  <a:srgbClr val="C00000"/>
+                </a:solidFill>
+                <a:latin typeface="JetBrains Mono" pitchFamily="2" charset="0"/>
+              </a:rPr>
+              <a:t>)</a:t>
+            </a:r>
+          </a:p>
+          <a:p>
+            <a:pPr marL="0" indent="0">
+              <a:buNone/>
+            </a:pPr>
+            <a:r>
+              <a:rPr lang="it-IT" sz="2000" dirty="0">
+                <a:solidFill>
+                  <a:srgbClr val="C00000"/>
+                </a:solidFill>
+                <a:latin typeface="JetBrains Mono" pitchFamily="2" charset="0"/>
+              </a:rPr>
+              <a:t>  (</a:t>
+            </a:r>
+            <a:r>
+              <a:rPr lang="it-IT" sz="2000" dirty="0">
+                <a:latin typeface="JetBrains Mono" pitchFamily="2" charset="0"/>
+              </a:rPr>
+              <a:t>(</a:t>
+            </a:r>
+            <a:r>
+              <a:rPr lang="it-IT" sz="2000" dirty="0">
+                <a:solidFill>
+                  <a:srgbClr val="0070C0"/>
+                </a:solidFill>
+                <a:latin typeface="JetBrains Mono" pitchFamily="2" charset="0"/>
+              </a:rPr>
+              <a:t>&lt;</a:t>
+            </a:r>
+            <a:r>
+              <a:rPr lang="it-IT" sz="2000" dirty="0">
+                <a:latin typeface="JetBrains Mono" pitchFamily="2" charset="0"/>
+              </a:rPr>
+              <a:t> valor 5)</a:t>
+            </a:r>
+          </a:p>
+          <a:p>
+            <a:pPr marL="0" indent="0">
+              <a:buNone/>
+            </a:pPr>
+            <a:r>
+              <a:rPr lang="it-IT" sz="2000" dirty="0">
+                <a:latin typeface="JetBrains Mono" pitchFamily="2" charset="0"/>
+              </a:rPr>
+              <a:t>	(</a:t>
+            </a:r>
+            <a:r>
+              <a:rPr lang="it-IT" sz="2000" dirty="0">
+                <a:solidFill>
+                  <a:srgbClr val="0070C0"/>
+                </a:solidFill>
+                <a:latin typeface="JetBrains Mono" pitchFamily="2" charset="0"/>
+              </a:rPr>
+              <a:t>princ</a:t>
+            </a:r>
+            <a:r>
+              <a:rPr lang="it-IT" sz="2000" dirty="0">
+                <a:latin typeface="JetBrains Mono" pitchFamily="2" charset="0"/>
+              </a:rPr>
+              <a:t> </a:t>
+            </a:r>
+            <a:r>
+              <a:rPr lang="it-IT" sz="2000" dirty="0">
+                <a:solidFill>
+                  <a:srgbClr val="D755BE"/>
+                </a:solidFill>
+                <a:latin typeface="JetBrains Mono" pitchFamily="2" charset="0"/>
+              </a:rPr>
+              <a:t>"Valor es menor que 5."</a:t>
+            </a:r>
+            <a:r>
+              <a:rPr lang="it-IT" sz="2000" dirty="0">
+                <a:latin typeface="JetBrains Mono" pitchFamily="2" charset="0"/>
+              </a:rPr>
+              <a:t>)</a:t>
+            </a:r>
+          </a:p>
+          <a:p>
+            <a:pPr marL="0" indent="0">
+              <a:buNone/>
+            </a:pPr>
+            <a:r>
+              <a:rPr lang="it-IT" sz="2000" dirty="0">
+                <a:latin typeface="JetBrains Mono" pitchFamily="2" charset="0"/>
+              </a:rPr>
+              <a:t>  </a:t>
+            </a:r>
+            <a:r>
+              <a:rPr lang="it-IT" sz="2000" dirty="0">
+                <a:solidFill>
+                  <a:srgbClr val="C00000"/>
+                </a:solidFill>
+                <a:latin typeface="JetBrains Mono" pitchFamily="2" charset="0"/>
+              </a:rPr>
+              <a:t>)</a:t>
+            </a:r>
+          </a:p>
+          <a:p>
+            <a:pPr marL="0" indent="0">
+              <a:buNone/>
+            </a:pPr>
+            <a:r>
+              <a:rPr lang="it-IT" sz="2000" dirty="0">
+                <a:solidFill>
+                  <a:srgbClr val="C00000"/>
+                </a:solidFill>
+                <a:latin typeface="JetBrains Mono" pitchFamily="2" charset="0"/>
+              </a:rPr>
+              <a:t>  (T</a:t>
+            </a:r>
+            <a:endParaRPr lang="it-IT" sz="2000" dirty="0">
+              <a:latin typeface="JetBrains Mono" pitchFamily="2" charset="0"/>
+            </a:endParaRPr>
+          </a:p>
+          <a:p>
+            <a:pPr marL="0" indent="0">
+              <a:buNone/>
+            </a:pPr>
+            <a:r>
+              <a:rPr lang="it-IT" sz="2000" dirty="0">
+                <a:latin typeface="JetBrains Mono" pitchFamily="2" charset="0"/>
+              </a:rPr>
+              <a:t>	(</a:t>
+            </a:r>
+            <a:r>
+              <a:rPr lang="it-IT" sz="2000" dirty="0">
+                <a:solidFill>
+                  <a:srgbClr val="0070C0"/>
+                </a:solidFill>
+                <a:latin typeface="JetBrains Mono" pitchFamily="2" charset="0"/>
+              </a:rPr>
+              <a:t>princ</a:t>
+            </a:r>
+            <a:r>
+              <a:rPr lang="it-IT" sz="2000" dirty="0">
+                <a:latin typeface="JetBrains Mono" pitchFamily="2" charset="0"/>
+              </a:rPr>
+              <a:t> </a:t>
+            </a:r>
+            <a:r>
+              <a:rPr lang="it-IT" sz="2000" dirty="0">
+                <a:solidFill>
+                  <a:srgbClr val="D755BE"/>
+                </a:solidFill>
+                <a:latin typeface="JetBrains Mono" pitchFamily="2" charset="0"/>
+              </a:rPr>
+              <a:t>"Se ejecuta siempre."</a:t>
+            </a:r>
+            <a:r>
+              <a:rPr lang="it-IT" sz="2000" dirty="0">
+                <a:latin typeface="JetBrains Mono" pitchFamily="2" charset="0"/>
+              </a:rPr>
+              <a:t>)</a:t>
+            </a:r>
+          </a:p>
+          <a:p>
+            <a:pPr marL="0" indent="0">
+              <a:buNone/>
+            </a:pPr>
+            <a:r>
+              <a:rPr lang="it-IT" sz="2000" dirty="0">
+                <a:latin typeface="JetBrains Mono" pitchFamily="2" charset="0"/>
+              </a:rPr>
+              <a:t>  </a:t>
+            </a:r>
+            <a:r>
+              <a:rPr lang="it-IT" sz="2000" dirty="0">
+                <a:solidFill>
+                  <a:srgbClr val="C00000"/>
+                </a:solidFill>
+                <a:latin typeface="JetBrains Mono" pitchFamily="2" charset="0"/>
+              </a:rPr>
+              <a:t>)</a:t>
+            </a:r>
+          </a:p>
+          <a:p>
+            <a:pPr marL="0" indent="0">
+              <a:buNone/>
+            </a:pPr>
+            <a:r>
+              <a:rPr lang="it-IT" sz="2000" dirty="0">
+                <a:solidFill>
+                  <a:srgbClr val="00B050"/>
+                </a:solidFill>
+                <a:latin typeface="JetBrains Mono" pitchFamily="2" charset="0"/>
+              </a:rPr>
+              <a:t>)</a:t>
+            </a:r>
+          </a:p>
+        </p:txBody>
+      </p:sp>
+    </p:spTree>
+    <p:extLst>
+      <p:ext uri="{BB962C8B-B14F-4D97-AF65-F5344CB8AC3E}">
+        <p14:creationId xmlns:p14="http://schemas.microsoft.com/office/powerpoint/2010/main" val="791150248"/>
+      </p:ext>
+    </p:extLst>
+  </p:cSld>
+  <p:clrMapOvr>
+    <a:masterClrMapping/>
+  </p:clrMapOvr>
+</p:sld>
+</file>
+
+<file path=ppt/slides/slide11.xml><?xml version="1.0" encoding="utf-8"?>
+<p:sld xmlns:a="http://schemas.openxmlformats.org/drawingml/2006/main" xmlns:r="http://schemas.openxmlformats.org/officeDocument/2006/relationships" xmlns:p="http://schemas.openxmlformats.org/presentationml/2006/main">
+  <p:cSld>
+    <p:spTree>
+      <p:nvGrpSpPr>
+        <p:cNvPr id="1" name=""/>
+        <p:cNvGrpSpPr/>
+        <p:nvPr/>
+      </p:nvGrpSpPr>
+      <p:grpSpPr>
+        <a:xfrm>
+          <a:off x="0" y="0"/>
+          <a:ext cx="0" cy="0"/>
+          <a:chOff x="0" y="0"/>
+          <a:chExt cx="0" cy="0"/>
+        </a:xfrm>
+      </p:grpSpPr>
+      <p:sp>
+        <p:nvSpPr>
+          <p:cNvPr id="8" name="Título 1">
+            <a:extLst>
+              <a:ext uri="{FF2B5EF4-FFF2-40B4-BE49-F238E27FC236}">
+                <a16:creationId xmlns:a16="http://schemas.microsoft.com/office/drawing/2014/main" id="{B8300CEE-18F0-4F8B-B2F5-E88058F4C56F}"/>
+              </a:ext>
+            </a:extLst>
+          </p:cNvPr>
+          <p:cNvSpPr>
+            <a:spLocks noGrp="1"/>
+          </p:cNvSpPr>
+          <p:nvPr>
+            <p:ph type="title"/>
+          </p:nvPr>
+        </p:nvSpPr>
+        <p:spPr>
+          <a:xfrm>
+            <a:off x="838200" y="365125"/>
+            <a:ext cx="10515600" cy="633251"/>
+          </a:xfrm>
+        </p:spPr>
+        <p:txBody>
+          <a:bodyPr>
+            <a:normAutofit fontScale="90000"/>
+          </a:bodyPr>
+          <a:lstStyle/>
+          <a:p>
+            <a:r>
+              <a:rPr lang="es-AR" dirty="0"/>
+              <a:t>(</a:t>
+            </a:r>
+            <a:r>
+              <a:rPr lang="es-AR" dirty="0" err="1"/>
+              <a:t>foreach</a:t>
+            </a:r>
+            <a:r>
+              <a:rPr lang="es-AR" dirty="0"/>
+              <a:t> elemento lista &lt;Acciones&gt;)</a:t>
+            </a:r>
+          </a:p>
+        </p:txBody>
+      </p:sp>
+      <p:sp>
+        <p:nvSpPr>
+          <p:cNvPr id="10" name="Marcador de contenido 4">
+            <a:extLst>
+              <a:ext uri="{FF2B5EF4-FFF2-40B4-BE49-F238E27FC236}">
+                <a16:creationId xmlns:a16="http://schemas.microsoft.com/office/drawing/2014/main" id="{5EB2B07C-E61D-4766-84C9-9A1BDCAA2AA8}"/>
+              </a:ext>
+            </a:extLst>
+          </p:cNvPr>
+          <p:cNvSpPr txBox="1">
+            <a:spLocks/>
+          </p:cNvSpPr>
+          <p:nvPr/>
+        </p:nvSpPr>
+        <p:spPr>
+          <a:xfrm>
+            <a:off x="470452" y="1521285"/>
+            <a:ext cx="11251095" cy="4971590"/>
+          </a:xfrm>
+          <a:prstGeom prst="rect">
+            <a:avLst/>
+          </a:prstGeom>
+        </p:spPr>
+        <p:txBody>
+          <a:bodyPr vert="horz" lIns="91440" tIns="45720" rIns="91440" bIns="45720" rtlCol="0">
+            <a:normAutofit/>
+          </a:bodyPr>
+          <a:lstStyle>
+            <a:lvl1pPr marL="228600" indent="-228600" algn="l" defTabSz="914400" rtl="0" eaLnBrk="1" latinLnBrk="0" hangingPunct="1">
+              <a:lnSpc>
+                <a:spcPct val="90000"/>
+              </a:lnSpc>
+              <a:spcBef>
+                <a:spcPts val="1000"/>
+              </a:spcBef>
+              <a:buFont typeface="Arial" panose="020B0604020202020204" pitchFamily="34" charset="0"/>
+              <a:buChar char="•"/>
+              <a:defRPr sz="2800" kern="1200">
+                <a:solidFill>
+                  <a:schemeClr val="tx1"/>
+                </a:solidFill>
+                <a:latin typeface="+mn-lt"/>
+                <a:ea typeface="+mn-ea"/>
+                <a:cs typeface="+mn-cs"/>
+              </a:defRPr>
+            </a:lvl1pPr>
+            <a:lvl2pPr marL="685800" indent="-228600" algn="l" defTabSz="914400" rtl="0" eaLnBrk="1" latinLnBrk="0" hangingPunct="1">
+              <a:lnSpc>
+                <a:spcPct val="90000"/>
+              </a:lnSpc>
+              <a:spcBef>
+                <a:spcPts val="500"/>
+              </a:spcBef>
+              <a:buFont typeface="Arial" panose="020B0604020202020204" pitchFamily="34" charset="0"/>
+              <a:buChar char="•"/>
+              <a:defRPr sz="2400" kern="1200">
+                <a:solidFill>
+                  <a:schemeClr val="tx1"/>
+                </a:solidFill>
+                <a:latin typeface="+mn-lt"/>
+                <a:ea typeface="+mn-ea"/>
+                <a:cs typeface="+mn-cs"/>
+              </a:defRPr>
+            </a:lvl2pPr>
+            <a:lvl3pPr marL="1143000" indent="-228600" algn="l" defTabSz="914400" rtl="0" eaLnBrk="1" latinLnBrk="0" hangingPunct="1">
+              <a:lnSpc>
+                <a:spcPct val="90000"/>
+              </a:lnSpc>
+              <a:spcBef>
+                <a:spcPts val="500"/>
+              </a:spcBef>
+              <a:buFont typeface="Arial" panose="020B0604020202020204" pitchFamily="34" charset="0"/>
+              <a:buChar char="•"/>
+              <a:defRPr sz="2000" kern="1200">
+                <a:solidFill>
+                  <a:schemeClr val="tx1"/>
+                </a:solidFill>
+                <a:latin typeface="+mn-lt"/>
+                <a:ea typeface="+mn-ea"/>
+                <a:cs typeface="+mn-cs"/>
+              </a:defRPr>
+            </a:lvl3pPr>
+            <a:lvl4pPr marL="1600200" indent="-228600" algn="l" defTabSz="914400" rtl="0" eaLnBrk="1" latinLnBrk="0" hangingPunct="1">
+              <a:lnSpc>
+                <a:spcPct val="90000"/>
+              </a:lnSpc>
+              <a:spcBef>
+                <a:spcPts val="500"/>
+              </a:spcBef>
+              <a:buFont typeface="Arial" panose="020B0604020202020204" pitchFamily="34" charset="0"/>
+              <a:buChar char="•"/>
+              <a:defRPr sz="1800" kern="1200">
+                <a:solidFill>
+                  <a:schemeClr val="tx1"/>
+                </a:solidFill>
+                <a:latin typeface="+mn-lt"/>
+                <a:ea typeface="+mn-ea"/>
+                <a:cs typeface="+mn-cs"/>
+              </a:defRPr>
+            </a:lvl4pPr>
+            <a:lvl5pPr marL="2057400" indent="-228600" algn="l" defTabSz="914400" rtl="0" eaLnBrk="1" latinLnBrk="0" hangingPunct="1">
+              <a:lnSpc>
+                <a:spcPct val="90000"/>
+              </a:lnSpc>
+              <a:spcBef>
+                <a:spcPts val="500"/>
+              </a:spcBef>
+              <a:buFont typeface="Arial" panose="020B0604020202020204" pitchFamily="34" charset="0"/>
+              <a:buChar char="•"/>
+              <a:defRPr sz="1800" kern="1200">
+                <a:solidFill>
+                  <a:schemeClr val="tx1"/>
+                </a:solidFill>
+                <a:latin typeface="+mn-lt"/>
+                <a:ea typeface="+mn-ea"/>
+                <a:cs typeface="+mn-cs"/>
+              </a:defRPr>
+            </a:lvl5pPr>
+            <a:lvl6pPr marL="2514600" indent="-228600" algn="l" defTabSz="914400" rtl="0" eaLnBrk="1" latinLnBrk="0" hangingPunct="1">
+              <a:lnSpc>
+                <a:spcPct val="90000"/>
+              </a:lnSpc>
+              <a:spcBef>
+                <a:spcPts val="500"/>
+              </a:spcBef>
+              <a:buFont typeface="Arial" panose="020B0604020202020204" pitchFamily="34" charset="0"/>
+              <a:buChar char="•"/>
+              <a:defRPr sz="1800" kern="1200">
+                <a:solidFill>
+                  <a:schemeClr val="tx1"/>
+                </a:solidFill>
+                <a:latin typeface="+mn-lt"/>
+                <a:ea typeface="+mn-ea"/>
+                <a:cs typeface="+mn-cs"/>
+              </a:defRPr>
+            </a:lvl6pPr>
+            <a:lvl7pPr marL="2971800" indent="-228600" algn="l" defTabSz="914400" rtl="0" eaLnBrk="1" latinLnBrk="0" hangingPunct="1">
+              <a:lnSpc>
+                <a:spcPct val="90000"/>
+              </a:lnSpc>
+              <a:spcBef>
+                <a:spcPts val="500"/>
+              </a:spcBef>
+              <a:buFont typeface="Arial" panose="020B0604020202020204" pitchFamily="34" charset="0"/>
+              <a:buChar char="•"/>
+              <a:defRPr sz="1800" kern="1200">
+                <a:solidFill>
+                  <a:schemeClr val="tx1"/>
+                </a:solidFill>
+                <a:latin typeface="+mn-lt"/>
+                <a:ea typeface="+mn-ea"/>
+                <a:cs typeface="+mn-cs"/>
+              </a:defRPr>
+            </a:lvl7pPr>
+            <a:lvl8pPr marL="3429000" indent="-228600" algn="l" defTabSz="914400" rtl="0" eaLnBrk="1" latinLnBrk="0" hangingPunct="1">
+              <a:lnSpc>
+                <a:spcPct val="90000"/>
+              </a:lnSpc>
+              <a:spcBef>
+                <a:spcPts val="500"/>
+              </a:spcBef>
+              <a:buFont typeface="Arial" panose="020B0604020202020204" pitchFamily="34" charset="0"/>
+              <a:buChar char="•"/>
+              <a:defRPr sz="1800" kern="1200">
+                <a:solidFill>
+                  <a:schemeClr val="tx1"/>
+                </a:solidFill>
+                <a:latin typeface="+mn-lt"/>
+                <a:ea typeface="+mn-ea"/>
+                <a:cs typeface="+mn-cs"/>
+              </a:defRPr>
+            </a:lvl8pPr>
+            <a:lvl9pPr marL="3886200" indent="-228600" algn="l" defTabSz="914400" rtl="0" eaLnBrk="1" latinLnBrk="0" hangingPunct="1">
+              <a:lnSpc>
+                <a:spcPct val="90000"/>
+              </a:lnSpc>
+              <a:spcBef>
+                <a:spcPts val="500"/>
+              </a:spcBef>
+              <a:buFont typeface="Arial" panose="020B0604020202020204" pitchFamily="34" charset="0"/>
+              <a:buChar char="•"/>
+              <a:defRPr sz="1800" kern="1200">
+                <a:solidFill>
+                  <a:schemeClr val="tx1"/>
+                </a:solidFill>
+                <a:latin typeface="+mn-lt"/>
+                <a:ea typeface="+mn-ea"/>
+                <a:cs typeface="+mn-cs"/>
+              </a:defRPr>
+            </a:lvl9pPr>
+          </a:lstStyle>
+          <a:p>
+            <a:pPr marL="0" indent="0">
+              <a:buNone/>
+            </a:pPr>
+            <a:r>
+              <a:rPr lang="it-IT" sz="2000" dirty="0">
+                <a:solidFill>
+                  <a:schemeClr val="bg1">
+                    <a:lumMod val="50000"/>
+                  </a:schemeClr>
+                </a:solidFill>
+                <a:latin typeface="JetBrains Mono" pitchFamily="2" charset="0"/>
+              </a:rPr>
+              <a:t>;la función foreach se utiliza para recorrer listas valor a valor</a:t>
+            </a:r>
+          </a:p>
+          <a:p>
+            <a:pPr marL="0" indent="0">
+              <a:buNone/>
+            </a:pPr>
+            <a:r>
+              <a:rPr lang="it-IT" sz="2000" dirty="0">
+                <a:latin typeface="JetBrains Mono" pitchFamily="2" charset="0"/>
+              </a:rPr>
+              <a:t>(</a:t>
+            </a:r>
+            <a:r>
+              <a:rPr lang="it-IT" sz="2000" dirty="0">
+                <a:solidFill>
+                  <a:srgbClr val="0070C0"/>
+                </a:solidFill>
+                <a:latin typeface="JetBrains Mono" pitchFamily="2" charset="0"/>
+              </a:rPr>
+              <a:t>setq</a:t>
+            </a:r>
+            <a:r>
+              <a:rPr lang="it-IT" sz="2000" dirty="0">
+                <a:latin typeface="JetBrains Mono" pitchFamily="2" charset="0"/>
+              </a:rPr>
+              <a:t> lista ‘(1 2 3 4 5 6 7 8))</a:t>
+            </a:r>
+          </a:p>
+          <a:p>
+            <a:pPr marL="0" indent="0">
+              <a:buNone/>
+            </a:pPr>
+            <a:r>
+              <a:rPr lang="it-IT" sz="2000" dirty="0">
+                <a:solidFill>
+                  <a:srgbClr val="00B050"/>
+                </a:solidFill>
+                <a:latin typeface="JetBrains Mono" pitchFamily="2" charset="0"/>
+              </a:rPr>
+              <a:t>(</a:t>
+            </a:r>
+            <a:r>
+              <a:rPr lang="it-IT" sz="2000" dirty="0">
+                <a:solidFill>
+                  <a:srgbClr val="0070C0"/>
+                </a:solidFill>
+                <a:latin typeface="JetBrains Mono" pitchFamily="2" charset="0"/>
+              </a:rPr>
+              <a:t>foreach </a:t>
+            </a:r>
+            <a:r>
+              <a:rPr lang="it-IT" sz="2000" dirty="0">
+                <a:latin typeface="JetBrains Mono" pitchFamily="2" charset="0"/>
+              </a:rPr>
+              <a:t>elemento lista</a:t>
+            </a:r>
+          </a:p>
+          <a:p>
+            <a:pPr marL="0" indent="0">
+              <a:buNone/>
+            </a:pPr>
+            <a:r>
+              <a:rPr lang="it-IT" sz="2000" dirty="0">
+                <a:latin typeface="JetBrains Mono" pitchFamily="2" charset="0"/>
+              </a:rPr>
+              <a:t>  (</a:t>
+            </a:r>
+            <a:r>
+              <a:rPr lang="it-IT" sz="2000" dirty="0">
+                <a:solidFill>
+                  <a:srgbClr val="0070C0"/>
+                </a:solidFill>
+                <a:latin typeface="JetBrains Mono" pitchFamily="2" charset="0"/>
+              </a:rPr>
+              <a:t>princ</a:t>
+            </a:r>
+            <a:r>
+              <a:rPr lang="it-IT" sz="2000" dirty="0">
+                <a:latin typeface="JetBrains Mono" pitchFamily="2" charset="0"/>
+              </a:rPr>
+              <a:t> elemento)</a:t>
+            </a:r>
+          </a:p>
+          <a:p>
+            <a:pPr marL="0" indent="0">
+              <a:buNone/>
+            </a:pPr>
+            <a:r>
+              <a:rPr lang="it-IT" sz="2000" dirty="0">
+                <a:solidFill>
+                  <a:srgbClr val="00B050"/>
+                </a:solidFill>
+                <a:latin typeface="JetBrains Mono" pitchFamily="2" charset="0"/>
+              </a:rPr>
+              <a:t>)</a:t>
+            </a:r>
+          </a:p>
+          <a:p>
+            <a:pPr marL="0" indent="0">
+              <a:buNone/>
+            </a:pPr>
+            <a:endParaRPr lang="it-IT" sz="2000" dirty="0">
+              <a:solidFill>
+                <a:srgbClr val="00B050"/>
+              </a:solidFill>
+              <a:latin typeface="JetBrains Mono" pitchFamily="2" charset="0"/>
+            </a:endParaRPr>
+          </a:p>
+          <a:p>
+            <a:pPr marL="0" indent="0">
+              <a:buNone/>
+            </a:pPr>
+            <a:r>
+              <a:rPr lang="it-IT" sz="2000" dirty="0">
+                <a:latin typeface="JetBrains Mono" pitchFamily="2" charset="0"/>
+              </a:rPr>
+              <a:t>(</a:t>
+            </a:r>
+            <a:r>
+              <a:rPr lang="it-IT" sz="2000" dirty="0">
+                <a:solidFill>
+                  <a:srgbClr val="0070C0"/>
+                </a:solidFill>
+                <a:latin typeface="JetBrains Mono" pitchFamily="2" charset="0"/>
+              </a:rPr>
+              <a:t>setq</a:t>
+            </a:r>
+            <a:r>
+              <a:rPr lang="it-IT" sz="2000" dirty="0">
+                <a:latin typeface="JetBrains Mono" pitchFamily="2" charset="0"/>
+              </a:rPr>
+              <a:t> lista ‘( (1 2 3) (4 5 6) (7 8 9)))</a:t>
+            </a:r>
+          </a:p>
+          <a:p>
+            <a:pPr marL="0" indent="0">
+              <a:buNone/>
+            </a:pPr>
+            <a:r>
+              <a:rPr lang="it-IT" sz="2000" dirty="0">
+                <a:solidFill>
+                  <a:srgbClr val="00B050"/>
+                </a:solidFill>
+                <a:latin typeface="JetBrains Mono" pitchFamily="2" charset="0"/>
+              </a:rPr>
+              <a:t>(</a:t>
+            </a:r>
+            <a:r>
+              <a:rPr lang="it-IT" sz="2000" dirty="0">
+                <a:solidFill>
+                  <a:srgbClr val="0070C0"/>
+                </a:solidFill>
+                <a:latin typeface="JetBrains Mono" pitchFamily="2" charset="0"/>
+              </a:rPr>
+              <a:t>foreach </a:t>
+            </a:r>
+            <a:r>
+              <a:rPr lang="it-IT" sz="2000" dirty="0">
+                <a:latin typeface="JetBrains Mono" pitchFamily="2" charset="0"/>
+              </a:rPr>
+              <a:t>elemento lista</a:t>
+            </a:r>
+          </a:p>
+          <a:p>
+            <a:pPr marL="0" indent="0">
+              <a:buNone/>
+            </a:pPr>
+            <a:r>
+              <a:rPr lang="it-IT" sz="2000" dirty="0">
+                <a:latin typeface="JetBrains Mono" pitchFamily="2" charset="0"/>
+              </a:rPr>
+              <a:t>  </a:t>
+            </a:r>
+            <a:r>
+              <a:rPr lang="it-IT" sz="2000" dirty="0">
+                <a:solidFill>
+                  <a:srgbClr val="FF0000"/>
+                </a:solidFill>
+                <a:latin typeface="JetBrains Mono" pitchFamily="2" charset="0"/>
+              </a:rPr>
+              <a:t>(</a:t>
+            </a:r>
+            <a:r>
+              <a:rPr lang="it-IT" sz="2000" dirty="0">
+                <a:latin typeface="JetBrains Mono" pitchFamily="2" charset="0"/>
+              </a:rPr>
+              <a:t>foreach valor elemento</a:t>
+            </a:r>
+          </a:p>
+          <a:p>
+            <a:pPr marL="0" indent="0">
+              <a:buNone/>
+            </a:pPr>
+            <a:r>
+              <a:rPr lang="it-IT" sz="2000" dirty="0">
+                <a:latin typeface="JetBrains Mono" pitchFamily="2" charset="0"/>
+              </a:rPr>
+              <a:t>    (</a:t>
+            </a:r>
+            <a:r>
+              <a:rPr lang="it-IT" sz="2000" dirty="0">
+                <a:solidFill>
+                  <a:srgbClr val="0070C0"/>
+                </a:solidFill>
+                <a:latin typeface="JetBrains Mono" pitchFamily="2" charset="0"/>
+              </a:rPr>
+              <a:t>princ</a:t>
+            </a:r>
+            <a:r>
+              <a:rPr lang="it-IT" sz="2000" dirty="0">
+                <a:latin typeface="JetBrains Mono" pitchFamily="2" charset="0"/>
+              </a:rPr>
+              <a:t> valor)</a:t>
+            </a:r>
+          </a:p>
+          <a:p>
+            <a:pPr marL="0" indent="0">
+              <a:buNone/>
+            </a:pPr>
+            <a:r>
+              <a:rPr lang="it-IT" sz="2000" dirty="0">
+                <a:latin typeface="JetBrains Mono" pitchFamily="2" charset="0"/>
+              </a:rPr>
+              <a:t>  </a:t>
+            </a:r>
+            <a:r>
+              <a:rPr lang="it-IT" sz="2000" dirty="0">
+                <a:solidFill>
+                  <a:srgbClr val="FF0000"/>
+                </a:solidFill>
+                <a:latin typeface="JetBrains Mono" pitchFamily="2" charset="0"/>
+              </a:rPr>
+              <a:t>)</a:t>
+            </a:r>
+          </a:p>
+          <a:p>
+            <a:pPr marL="0" indent="0">
+              <a:buNone/>
+            </a:pPr>
+            <a:r>
+              <a:rPr lang="it-IT" sz="2000" dirty="0">
+                <a:solidFill>
+                  <a:srgbClr val="00B050"/>
+                </a:solidFill>
+                <a:latin typeface="JetBrains Mono" pitchFamily="2" charset="0"/>
+              </a:rPr>
+              <a:t>)</a:t>
+            </a:r>
+          </a:p>
+          <a:p>
+            <a:pPr marL="0" indent="0">
+              <a:buNone/>
+            </a:pPr>
+            <a:endParaRPr lang="it-IT" sz="2000" dirty="0">
+              <a:solidFill>
+                <a:srgbClr val="00B050"/>
+              </a:solidFill>
+              <a:latin typeface="JetBrains Mono" pitchFamily="2" charset="0"/>
+            </a:endParaRPr>
+          </a:p>
+        </p:txBody>
+      </p:sp>
+    </p:spTree>
+    <p:extLst>
+      <p:ext uri="{BB962C8B-B14F-4D97-AF65-F5344CB8AC3E}">
+        <p14:creationId xmlns:p14="http://schemas.microsoft.com/office/powerpoint/2010/main" val="792372015"/>
+      </p:ext>
+    </p:extLst>
+  </p:cSld>
+  <p:clrMapOvr>
+    <a:masterClrMapping/>
+  </p:clrMapOvr>
+</p:sld>
+</file>
+
+<file path=ppt/slides/slide12.xml><?xml version="1.0" encoding="utf-8"?>
+<p:sld xmlns:a="http://schemas.openxmlformats.org/drawingml/2006/main" xmlns:r="http://schemas.openxmlformats.org/officeDocument/2006/relationships" xmlns:p="http://schemas.openxmlformats.org/presentationml/2006/main">
+  <p:cSld>
+    <p:spTree>
+      <p:nvGrpSpPr>
+        <p:cNvPr id="1" name=""/>
+        <p:cNvGrpSpPr/>
+        <p:nvPr/>
+      </p:nvGrpSpPr>
+      <p:grpSpPr>
+        <a:xfrm>
+          <a:off x="0" y="0"/>
+          <a:ext cx="0" cy="0"/>
+          <a:chOff x="0" y="0"/>
+          <a:chExt cx="0" cy="0"/>
+        </a:xfrm>
+      </p:grpSpPr>
+      <p:pic>
+        <p:nvPicPr>
+          <p:cNvPr id="10" name="Imagen 9">
+            <a:extLst>
+              <a:ext uri="{FF2B5EF4-FFF2-40B4-BE49-F238E27FC236}">
+                <a16:creationId xmlns:a16="http://schemas.microsoft.com/office/drawing/2014/main" id="{88BD1590-AA86-4C7A-8129-CF0AD2C8BAC8}"/>
+              </a:ext>
+            </a:extLst>
+          </p:cNvPr>
+          <p:cNvPicPr>
+            <a:picLocks noChangeAspect="1"/>
+          </p:cNvPicPr>
+          <p:nvPr/>
+        </p:nvPicPr>
+        <p:blipFill>
+          <a:blip r:embed="rId2">
+            <a:extLst>
+              <a:ext uri="{28A0092B-C50C-407E-A947-70E740481C1C}">
+                <a14:useLocalDpi xmlns:a14="http://schemas.microsoft.com/office/drawing/2010/main" val="0"/>
+              </a:ext>
+            </a:extLst>
+          </a:blip>
+          <a:stretch>
+            <a:fillRect/>
+          </a:stretch>
+        </p:blipFill>
+        <p:spPr>
+          <a:xfrm>
+            <a:off x="3809171" y="1965412"/>
+            <a:ext cx="4229100" cy="2457450"/>
+          </a:xfrm>
+          <a:prstGeom prst="rect">
+            <a:avLst/>
+          </a:prstGeom>
+        </p:spPr>
+      </p:pic>
+      <p:sp>
+        <p:nvSpPr>
+          <p:cNvPr id="4" name="Título 1">
+            <a:extLst>
+              <a:ext uri="{FF2B5EF4-FFF2-40B4-BE49-F238E27FC236}">
+                <a16:creationId xmlns:a16="http://schemas.microsoft.com/office/drawing/2014/main" id="{7229E13F-3B4F-4D28-A4E5-A5BFD1B4ECFC}"/>
+              </a:ext>
+            </a:extLst>
+          </p:cNvPr>
+          <p:cNvSpPr>
+            <a:spLocks noGrp="1"/>
+          </p:cNvSpPr>
+          <p:nvPr>
+            <p:ph type="title"/>
+          </p:nvPr>
+        </p:nvSpPr>
+        <p:spPr>
+          <a:xfrm>
+            <a:off x="838200" y="166342"/>
+            <a:ext cx="10515600" cy="633251"/>
+          </a:xfrm>
+        </p:spPr>
+        <p:txBody>
+          <a:bodyPr>
+            <a:normAutofit fontScale="90000"/>
+          </a:bodyPr>
+          <a:lstStyle/>
+          <a:p>
+            <a:r>
+              <a:rPr lang="es-AR" dirty="0"/>
+              <a:t>Para analizar en casa</a:t>
+            </a:r>
+          </a:p>
+        </p:txBody>
+      </p:sp>
+      <p:sp>
+        <p:nvSpPr>
+          <p:cNvPr id="5" name="Marcador de contenido 4">
+            <a:extLst>
+              <a:ext uri="{FF2B5EF4-FFF2-40B4-BE49-F238E27FC236}">
+                <a16:creationId xmlns:a16="http://schemas.microsoft.com/office/drawing/2014/main" id="{855AAF4B-FBB6-42EE-B858-6A8B640923AE}"/>
+              </a:ext>
+            </a:extLst>
+          </p:cNvPr>
+          <p:cNvSpPr txBox="1">
+            <a:spLocks/>
+          </p:cNvSpPr>
+          <p:nvPr/>
+        </p:nvSpPr>
+        <p:spPr>
+          <a:xfrm>
+            <a:off x="353532" y="833528"/>
+            <a:ext cx="11484936" cy="1094147"/>
+          </a:xfrm>
+          <a:prstGeom prst="rect">
+            <a:avLst/>
+          </a:prstGeom>
+        </p:spPr>
+        <p:txBody>
+          <a:bodyPr vert="horz" lIns="91440" tIns="45720" rIns="91440" bIns="45720" rtlCol="0">
+            <a:normAutofit/>
+          </a:bodyPr>
+          <a:lstStyle>
+            <a:lvl1pPr marL="228600" indent="-228600" algn="l" defTabSz="914400" rtl="0" eaLnBrk="1" latinLnBrk="0" hangingPunct="1">
+              <a:lnSpc>
+                <a:spcPct val="90000"/>
+              </a:lnSpc>
+              <a:spcBef>
+                <a:spcPts val="1000"/>
+              </a:spcBef>
+              <a:buFont typeface="Arial" panose="020B0604020202020204" pitchFamily="34" charset="0"/>
+              <a:buChar char="•"/>
+              <a:defRPr sz="2800" kern="1200">
+                <a:solidFill>
+                  <a:schemeClr val="tx1"/>
+                </a:solidFill>
+                <a:latin typeface="+mn-lt"/>
+                <a:ea typeface="+mn-ea"/>
+                <a:cs typeface="+mn-cs"/>
+              </a:defRPr>
+            </a:lvl1pPr>
+            <a:lvl2pPr marL="685800" indent="-228600" algn="l" defTabSz="914400" rtl="0" eaLnBrk="1" latinLnBrk="0" hangingPunct="1">
+              <a:lnSpc>
+                <a:spcPct val="90000"/>
+              </a:lnSpc>
+              <a:spcBef>
+                <a:spcPts val="500"/>
+              </a:spcBef>
+              <a:buFont typeface="Arial" panose="020B0604020202020204" pitchFamily="34" charset="0"/>
+              <a:buChar char="•"/>
+              <a:defRPr sz="2400" kern="1200">
+                <a:solidFill>
+                  <a:schemeClr val="tx1"/>
+                </a:solidFill>
+                <a:latin typeface="+mn-lt"/>
+                <a:ea typeface="+mn-ea"/>
+                <a:cs typeface="+mn-cs"/>
+              </a:defRPr>
+            </a:lvl2pPr>
+            <a:lvl3pPr marL="1143000" indent="-228600" algn="l" defTabSz="914400" rtl="0" eaLnBrk="1" latinLnBrk="0" hangingPunct="1">
+              <a:lnSpc>
+                <a:spcPct val="90000"/>
+              </a:lnSpc>
+              <a:spcBef>
+                <a:spcPts val="500"/>
+              </a:spcBef>
+              <a:buFont typeface="Arial" panose="020B0604020202020204" pitchFamily="34" charset="0"/>
+              <a:buChar char="•"/>
+              <a:defRPr sz="2000" kern="1200">
+                <a:solidFill>
+                  <a:schemeClr val="tx1"/>
+                </a:solidFill>
+                <a:latin typeface="+mn-lt"/>
+                <a:ea typeface="+mn-ea"/>
+                <a:cs typeface="+mn-cs"/>
+              </a:defRPr>
+            </a:lvl3pPr>
+            <a:lvl4pPr marL="1600200" indent="-228600" algn="l" defTabSz="914400" rtl="0" eaLnBrk="1" latinLnBrk="0" hangingPunct="1">
+              <a:lnSpc>
+                <a:spcPct val="90000"/>
+              </a:lnSpc>
+              <a:spcBef>
+                <a:spcPts val="500"/>
+              </a:spcBef>
+              <a:buFont typeface="Arial" panose="020B0604020202020204" pitchFamily="34" charset="0"/>
+              <a:buChar char="•"/>
+              <a:defRPr sz="1800" kern="1200">
+                <a:solidFill>
+                  <a:schemeClr val="tx1"/>
+                </a:solidFill>
+                <a:latin typeface="+mn-lt"/>
+                <a:ea typeface="+mn-ea"/>
+                <a:cs typeface="+mn-cs"/>
+              </a:defRPr>
+            </a:lvl4pPr>
+            <a:lvl5pPr marL="2057400" indent="-228600" algn="l" defTabSz="914400" rtl="0" eaLnBrk="1" latinLnBrk="0" hangingPunct="1">
+              <a:lnSpc>
+                <a:spcPct val="90000"/>
+              </a:lnSpc>
+              <a:spcBef>
+                <a:spcPts val="500"/>
+              </a:spcBef>
+              <a:buFont typeface="Arial" panose="020B0604020202020204" pitchFamily="34" charset="0"/>
+              <a:buChar char="•"/>
+              <a:defRPr sz="1800" kern="1200">
+                <a:solidFill>
+                  <a:schemeClr val="tx1"/>
+                </a:solidFill>
+                <a:latin typeface="+mn-lt"/>
+                <a:ea typeface="+mn-ea"/>
+                <a:cs typeface="+mn-cs"/>
+              </a:defRPr>
+            </a:lvl5pPr>
+            <a:lvl6pPr marL="2514600" indent="-228600" algn="l" defTabSz="914400" rtl="0" eaLnBrk="1" latinLnBrk="0" hangingPunct="1">
+              <a:lnSpc>
+                <a:spcPct val="90000"/>
+              </a:lnSpc>
+              <a:spcBef>
+                <a:spcPts val="500"/>
+              </a:spcBef>
+              <a:buFont typeface="Arial" panose="020B0604020202020204" pitchFamily="34" charset="0"/>
+              <a:buChar char="•"/>
+              <a:defRPr sz="1800" kern="1200">
+                <a:solidFill>
+                  <a:schemeClr val="tx1"/>
+                </a:solidFill>
+                <a:latin typeface="+mn-lt"/>
+                <a:ea typeface="+mn-ea"/>
+                <a:cs typeface="+mn-cs"/>
+              </a:defRPr>
+            </a:lvl6pPr>
+            <a:lvl7pPr marL="2971800" indent="-228600" algn="l" defTabSz="914400" rtl="0" eaLnBrk="1" latinLnBrk="0" hangingPunct="1">
+              <a:lnSpc>
+                <a:spcPct val="90000"/>
+              </a:lnSpc>
+              <a:spcBef>
+                <a:spcPts val="500"/>
+              </a:spcBef>
+              <a:buFont typeface="Arial" panose="020B0604020202020204" pitchFamily="34" charset="0"/>
+              <a:buChar char="•"/>
+              <a:defRPr sz="1800" kern="1200">
+                <a:solidFill>
+                  <a:schemeClr val="tx1"/>
+                </a:solidFill>
+                <a:latin typeface="+mn-lt"/>
+                <a:ea typeface="+mn-ea"/>
+                <a:cs typeface="+mn-cs"/>
+              </a:defRPr>
+            </a:lvl7pPr>
+            <a:lvl8pPr marL="3429000" indent="-228600" algn="l" defTabSz="914400" rtl="0" eaLnBrk="1" latinLnBrk="0" hangingPunct="1">
+              <a:lnSpc>
+                <a:spcPct val="90000"/>
+              </a:lnSpc>
+              <a:spcBef>
+                <a:spcPts val="500"/>
+              </a:spcBef>
+              <a:buFont typeface="Arial" panose="020B0604020202020204" pitchFamily="34" charset="0"/>
+              <a:buChar char="•"/>
+              <a:defRPr sz="1800" kern="1200">
+                <a:solidFill>
+                  <a:schemeClr val="tx1"/>
+                </a:solidFill>
+                <a:latin typeface="+mn-lt"/>
+                <a:ea typeface="+mn-ea"/>
+                <a:cs typeface="+mn-cs"/>
+              </a:defRPr>
+            </a:lvl8pPr>
+            <a:lvl9pPr marL="3886200" indent="-228600" algn="l" defTabSz="914400" rtl="0" eaLnBrk="1" latinLnBrk="0" hangingPunct="1">
+              <a:lnSpc>
+                <a:spcPct val="90000"/>
+              </a:lnSpc>
+              <a:spcBef>
+                <a:spcPts val="500"/>
+              </a:spcBef>
+              <a:buFont typeface="Arial" panose="020B0604020202020204" pitchFamily="34" charset="0"/>
+              <a:buChar char="•"/>
+              <a:defRPr sz="1800" kern="1200">
+                <a:solidFill>
+                  <a:schemeClr val="tx1"/>
+                </a:solidFill>
+                <a:latin typeface="+mn-lt"/>
+                <a:ea typeface="+mn-ea"/>
+                <a:cs typeface="+mn-cs"/>
+              </a:defRPr>
+            </a:lvl9pPr>
+          </a:lstStyle>
+          <a:p>
+            <a:pPr marL="0" indent="0">
+              <a:buFont typeface="Arial" panose="020B0604020202020204" pitchFamily="34" charset="0"/>
+              <a:buNone/>
+            </a:pPr>
+            <a:r>
+              <a:rPr lang="it-IT" sz="2000" dirty="0">
+                <a:latin typeface="JetBrains Mono" pitchFamily="2" charset="0"/>
+              </a:rPr>
+              <a:t>Escribamos un programa que a partir de la entrada dos puntos, por parte del usuario, nos dibuje una línea entre éstos y dibuje un punto exáctamente en el medio de la línea.</a:t>
+            </a:r>
+            <a:endParaRPr lang="es-AR" sz="2000" dirty="0">
+              <a:solidFill>
+                <a:srgbClr val="0070C0"/>
+              </a:solidFill>
+              <a:latin typeface="JetBrains Mono" pitchFamily="2" charset="0"/>
+            </a:endParaRPr>
+          </a:p>
+        </p:txBody>
+      </p:sp>
+      <p:sp>
+        <p:nvSpPr>
+          <p:cNvPr id="7" name="Marcador de contenido 4">
+            <a:extLst>
+              <a:ext uri="{FF2B5EF4-FFF2-40B4-BE49-F238E27FC236}">
+                <a16:creationId xmlns:a16="http://schemas.microsoft.com/office/drawing/2014/main" id="{D0DBD245-B6B6-4C3B-8EC7-FACF912EC84C}"/>
+              </a:ext>
+            </a:extLst>
+          </p:cNvPr>
+          <p:cNvSpPr txBox="1">
+            <a:spLocks/>
+          </p:cNvSpPr>
+          <p:nvPr/>
+        </p:nvSpPr>
+        <p:spPr>
+          <a:xfrm>
+            <a:off x="353532" y="1851638"/>
+            <a:ext cx="11484936" cy="3273287"/>
+          </a:xfrm>
+          <a:prstGeom prst="rect">
+            <a:avLst/>
+          </a:prstGeom>
+        </p:spPr>
+        <p:txBody>
+          <a:bodyPr vert="horz" lIns="91440" tIns="45720" rIns="91440" bIns="45720" rtlCol="0">
+            <a:normAutofit lnSpcReduction="10000"/>
+          </a:bodyPr>
+          <a:lstStyle>
+            <a:lvl1pPr marL="228600" indent="-228600" algn="l" defTabSz="914400" rtl="0" eaLnBrk="1" latinLnBrk="0" hangingPunct="1">
+              <a:lnSpc>
+                <a:spcPct val="90000"/>
+              </a:lnSpc>
+              <a:spcBef>
+                <a:spcPts val="1000"/>
+              </a:spcBef>
+              <a:buFont typeface="Arial" panose="020B0604020202020204" pitchFamily="34" charset="0"/>
+              <a:buChar char="•"/>
+              <a:defRPr sz="2800" kern="1200">
+                <a:solidFill>
+                  <a:schemeClr val="tx1"/>
+                </a:solidFill>
+                <a:latin typeface="+mn-lt"/>
+                <a:ea typeface="+mn-ea"/>
+                <a:cs typeface="+mn-cs"/>
+              </a:defRPr>
+            </a:lvl1pPr>
+            <a:lvl2pPr marL="685800" indent="-228600" algn="l" defTabSz="914400" rtl="0" eaLnBrk="1" latinLnBrk="0" hangingPunct="1">
+              <a:lnSpc>
+                <a:spcPct val="90000"/>
+              </a:lnSpc>
+              <a:spcBef>
+                <a:spcPts val="500"/>
+              </a:spcBef>
+              <a:buFont typeface="Arial" panose="020B0604020202020204" pitchFamily="34" charset="0"/>
+              <a:buChar char="•"/>
+              <a:defRPr sz="2400" kern="1200">
+                <a:solidFill>
+                  <a:schemeClr val="tx1"/>
+                </a:solidFill>
+                <a:latin typeface="+mn-lt"/>
+                <a:ea typeface="+mn-ea"/>
+                <a:cs typeface="+mn-cs"/>
+              </a:defRPr>
+            </a:lvl2pPr>
+            <a:lvl3pPr marL="1143000" indent="-228600" algn="l" defTabSz="914400" rtl="0" eaLnBrk="1" latinLnBrk="0" hangingPunct="1">
+              <a:lnSpc>
+                <a:spcPct val="90000"/>
+              </a:lnSpc>
+              <a:spcBef>
+                <a:spcPts val="500"/>
+              </a:spcBef>
+              <a:buFont typeface="Arial" panose="020B0604020202020204" pitchFamily="34" charset="0"/>
+              <a:buChar char="•"/>
+              <a:defRPr sz="2000" kern="1200">
+                <a:solidFill>
+                  <a:schemeClr val="tx1"/>
+                </a:solidFill>
+                <a:latin typeface="+mn-lt"/>
+                <a:ea typeface="+mn-ea"/>
+                <a:cs typeface="+mn-cs"/>
+              </a:defRPr>
+            </a:lvl3pPr>
+            <a:lvl4pPr marL="1600200" indent="-228600" algn="l" defTabSz="914400" rtl="0" eaLnBrk="1" latinLnBrk="0" hangingPunct="1">
+              <a:lnSpc>
+                <a:spcPct val="90000"/>
+              </a:lnSpc>
+              <a:spcBef>
+                <a:spcPts val="500"/>
+              </a:spcBef>
+              <a:buFont typeface="Arial" panose="020B0604020202020204" pitchFamily="34" charset="0"/>
+              <a:buChar char="•"/>
+              <a:defRPr sz="1800" kern="1200">
+                <a:solidFill>
+                  <a:schemeClr val="tx1"/>
+                </a:solidFill>
+                <a:latin typeface="+mn-lt"/>
+                <a:ea typeface="+mn-ea"/>
+                <a:cs typeface="+mn-cs"/>
+              </a:defRPr>
+            </a:lvl4pPr>
+            <a:lvl5pPr marL="2057400" indent="-228600" algn="l" defTabSz="914400" rtl="0" eaLnBrk="1" latinLnBrk="0" hangingPunct="1">
+              <a:lnSpc>
+                <a:spcPct val="90000"/>
+              </a:lnSpc>
+              <a:spcBef>
+                <a:spcPts val="500"/>
+              </a:spcBef>
+              <a:buFont typeface="Arial" panose="020B0604020202020204" pitchFamily="34" charset="0"/>
+              <a:buChar char="•"/>
+              <a:defRPr sz="1800" kern="1200">
+                <a:solidFill>
+                  <a:schemeClr val="tx1"/>
+                </a:solidFill>
+                <a:latin typeface="+mn-lt"/>
+                <a:ea typeface="+mn-ea"/>
+                <a:cs typeface="+mn-cs"/>
+              </a:defRPr>
+            </a:lvl5pPr>
+            <a:lvl6pPr marL="2514600" indent="-228600" algn="l" defTabSz="914400" rtl="0" eaLnBrk="1" latinLnBrk="0" hangingPunct="1">
+              <a:lnSpc>
+                <a:spcPct val="90000"/>
+              </a:lnSpc>
+              <a:spcBef>
+                <a:spcPts val="500"/>
+              </a:spcBef>
+              <a:buFont typeface="Arial" panose="020B0604020202020204" pitchFamily="34" charset="0"/>
+              <a:buChar char="•"/>
+              <a:defRPr sz="1800" kern="1200">
+                <a:solidFill>
+                  <a:schemeClr val="tx1"/>
+                </a:solidFill>
+                <a:latin typeface="+mn-lt"/>
+                <a:ea typeface="+mn-ea"/>
+                <a:cs typeface="+mn-cs"/>
+              </a:defRPr>
+            </a:lvl6pPr>
+            <a:lvl7pPr marL="2971800" indent="-228600" algn="l" defTabSz="914400" rtl="0" eaLnBrk="1" latinLnBrk="0" hangingPunct="1">
+              <a:lnSpc>
+                <a:spcPct val="90000"/>
+              </a:lnSpc>
+              <a:spcBef>
+                <a:spcPts val="500"/>
+              </a:spcBef>
+              <a:buFont typeface="Arial" panose="020B0604020202020204" pitchFamily="34" charset="0"/>
+              <a:buChar char="•"/>
+              <a:defRPr sz="1800" kern="1200">
+                <a:solidFill>
+                  <a:schemeClr val="tx1"/>
+                </a:solidFill>
+                <a:latin typeface="+mn-lt"/>
+                <a:ea typeface="+mn-ea"/>
+                <a:cs typeface="+mn-cs"/>
+              </a:defRPr>
+            </a:lvl7pPr>
+            <a:lvl8pPr marL="3429000" indent="-228600" algn="l" defTabSz="914400" rtl="0" eaLnBrk="1" latinLnBrk="0" hangingPunct="1">
+              <a:lnSpc>
+                <a:spcPct val="90000"/>
+              </a:lnSpc>
+              <a:spcBef>
+                <a:spcPts val="500"/>
+              </a:spcBef>
+              <a:buFont typeface="Arial" panose="020B0604020202020204" pitchFamily="34" charset="0"/>
+              <a:buChar char="•"/>
+              <a:defRPr sz="1800" kern="1200">
+                <a:solidFill>
+                  <a:schemeClr val="tx1"/>
+                </a:solidFill>
+                <a:latin typeface="+mn-lt"/>
+                <a:ea typeface="+mn-ea"/>
+                <a:cs typeface="+mn-cs"/>
+              </a:defRPr>
+            </a:lvl8pPr>
+            <a:lvl9pPr marL="3886200" indent="-228600" algn="l" defTabSz="914400" rtl="0" eaLnBrk="1" latinLnBrk="0" hangingPunct="1">
+              <a:lnSpc>
+                <a:spcPct val="90000"/>
+              </a:lnSpc>
+              <a:spcBef>
+                <a:spcPts val="500"/>
+              </a:spcBef>
+              <a:buFont typeface="Arial" panose="020B0604020202020204" pitchFamily="34" charset="0"/>
+              <a:buChar char="•"/>
+              <a:defRPr sz="1800" kern="1200">
+                <a:solidFill>
+                  <a:schemeClr val="tx1"/>
+                </a:solidFill>
+                <a:latin typeface="+mn-lt"/>
+                <a:ea typeface="+mn-ea"/>
+                <a:cs typeface="+mn-cs"/>
+              </a:defRPr>
+            </a:lvl9pPr>
+          </a:lstStyle>
+          <a:p>
+            <a:pPr marL="0" indent="0">
+              <a:buFont typeface="Arial" panose="020B0604020202020204" pitchFamily="34" charset="0"/>
+              <a:buNone/>
+            </a:pPr>
+            <a:r>
+              <a:rPr lang="it-IT" sz="2000" dirty="0">
+                <a:solidFill>
+                  <a:schemeClr val="bg1">
+                    <a:lumMod val="50000"/>
+                  </a:schemeClr>
+                </a:solidFill>
+                <a:latin typeface="JetBrains Mono" pitchFamily="2" charset="0"/>
+              </a:rPr>
+              <a:t>;Funciones útiles:</a:t>
+            </a:r>
+          </a:p>
+          <a:p>
+            <a:pPr marL="0" indent="0">
+              <a:buFont typeface="Arial" panose="020B0604020202020204" pitchFamily="34" charset="0"/>
+              <a:buNone/>
+            </a:pPr>
+            <a:endParaRPr lang="it-IT" sz="2000" dirty="0">
+              <a:solidFill>
+                <a:schemeClr val="bg1">
+                  <a:lumMod val="50000"/>
+                </a:schemeClr>
+              </a:solidFill>
+              <a:latin typeface="JetBrains Mono" pitchFamily="2" charset="0"/>
+            </a:endParaRPr>
+          </a:p>
+          <a:p>
+            <a:pPr marL="0" indent="0">
+              <a:buFont typeface="Arial" panose="020B0604020202020204" pitchFamily="34" charset="0"/>
+              <a:buNone/>
+            </a:pPr>
+            <a:r>
+              <a:rPr lang="it-IT" sz="2000" dirty="0">
+                <a:latin typeface="JetBrains Mono" pitchFamily="2" charset="0"/>
+              </a:rPr>
+              <a:t>(</a:t>
+            </a:r>
+            <a:r>
+              <a:rPr lang="it-IT" sz="2000" dirty="0">
+                <a:solidFill>
+                  <a:srgbClr val="0070C0"/>
+                </a:solidFill>
+                <a:latin typeface="JetBrains Mono" pitchFamily="2" charset="0"/>
+              </a:rPr>
+              <a:t>polar</a:t>
+            </a:r>
+            <a:r>
+              <a:rPr lang="it-IT" sz="2000" dirty="0">
+                <a:latin typeface="JetBrains Mono" pitchFamily="2" charset="0"/>
+              </a:rPr>
+              <a:t> punto ángulo distancia) </a:t>
+            </a:r>
+            <a:r>
+              <a:rPr lang="it-IT" sz="2000" dirty="0">
+                <a:solidFill>
+                  <a:schemeClr val="bg1">
+                    <a:lumMod val="50000"/>
+                  </a:schemeClr>
+                </a:solidFill>
+                <a:latin typeface="JetBrains Mono" pitchFamily="2" charset="0"/>
+              </a:rPr>
+              <a:t>;Retorna: Lista que representa un punto.</a:t>
+            </a:r>
+          </a:p>
+          <a:p>
+            <a:pPr marL="0" indent="0">
+              <a:buFont typeface="Arial" panose="020B0604020202020204" pitchFamily="34" charset="0"/>
+              <a:buNone/>
+            </a:pPr>
+            <a:endParaRPr lang="it-IT" sz="2000" dirty="0">
+              <a:solidFill>
+                <a:schemeClr val="bg1">
+                  <a:lumMod val="50000"/>
+                </a:schemeClr>
+              </a:solidFill>
+              <a:latin typeface="JetBrains Mono" pitchFamily="2" charset="0"/>
+            </a:endParaRPr>
+          </a:p>
+          <a:p>
+            <a:pPr marL="0" indent="0">
+              <a:buNone/>
+            </a:pPr>
+            <a:r>
+              <a:rPr lang="it-IT" sz="2000" dirty="0">
+                <a:latin typeface="JetBrains Mono" pitchFamily="2" charset="0"/>
+              </a:rPr>
+              <a:t>(</a:t>
+            </a:r>
+            <a:r>
+              <a:rPr lang="it-IT" sz="2000" dirty="0">
+                <a:solidFill>
+                  <a:srgbClr val="0070C0"/>
+                </a:solidFill>
+                <a:latin typeface="JetBrains Mono" pitchFamily="2" charset="0"/>
+              </a:rPr>
+              <a:t>distance </a:t>
+            </a:r>
+            <a:r>
+              <a:rPr lang="it-IT" sz="2000" dirty="0">
+                <a:latin typeface="JetBrains Mono" pitchFamily="2" charset="0"/>
+              </a:rPr>
+              <a:t>punto1 punto2) </a:t>
+            </a:r>
+            <a:r>
+              <a:rPr lang="it-IT" sz="2000" dirty="0">
+                <a:solidFill>
+                  <a:schemeClr val="bg1">
+                    <a:lumMod val="50000"/>
+                  </a:schemeClr>
+                </a:solidFill>
+                <a:latin typeface="JetBrains Mono" pitchFamily="2" charset="0"/>
+              </a:rPr>
+              <a:t>;Retorna: Distancia entre los dos puntos (en el plano)</a:t>
+            </a:r>
+          </a:p>
+          <a:p>
+            <a:pPr marL="0" indent="0">
+              <a:buNone/>
+            </a:pPr>
+            <a:endParaRPr lang="it-IT" sz="2000" dirty="0">
+              <a:solidFill>
+                <a:schemeClr val="bg1">
+                  <a:lumMod val="50000"/>
+                </a:schemeClr>
+              </a:solidFill>
+              <a:latin typeface="JetBrains Mono" pitchFamily="2" charset="0"/>
+            </a:endParaRPr>
+          </a:p>
+          <a:p>
+            <a:pPr marL="0" indent="0">
+              <a:buNone/>
+            </a:pPr>
+            <a:r>
+              <a:rPr lang="it-IT" sz="2000" dirty="0">
+                <a:latin typeface="JetBrains Mono" pitchFamily="2" charset="0"/>
+              </a:rPr>
+              <a:t>(</a:t>
+            </a:r>
+            <a:r>
+              <a:rPr lang="it-IT" sz="2000" dirty="0">
+                <a:solidFill>
+                  <a:srgbClr val="0070C0"/>
+                </a:solidFill>
+                <a:latin typeface="JetBrains Mono" pitchFamily="2" charset="0"/>
+              </a:rPr>
+              <a:t>angle </a:t>
+            </a:r>
+            <a:r>
+              <a:rPr lang="it-IT" sz="2000" dirty="0">
+                <a:latin typeface="JetBrains Mono" pitchFamily="2" charset="0"/>
+              </a:rPr>
+              <a:t>punto1 punto2) </a:t>
+            </a:r>
+            <a:r>
+              <a:rPr lang="it-IT" sz="2000" dirty="0">
+                <a:solidFill>
+                  <a:schemeClr val="bg1">
+                    <a:lumMod val="50000"/>
+                  </a:schemeClr>
+                </a:solidFill>
+                <a:latin typeface="JetBrains Mono" pitchFamily="2" charset="0"/>
+              </a:rPr>
+              <a:t>;Retorna: El ángulo en radianes desde el eje X (incrementan en sentido antihorario)</a:t>
+            </a:r>
+          </a:p>
+        </p:txBody>
+      </p:sp>
+      <p:sp>
+        <p:nvSpPr>
+          <p:cNvPr id="8" name="Marcador de contenido 4">
+            <a:extLst>
+              <a:ext uri="{FF2B5EF4-FFF2-40B4-BE49-F238E27FC236}">
+                <a16:creationId xmlns:a16="http://schemas.microsoft.com/office/drawing/2014/main" id="{E1010F2C-CFF4-456A-ABA0-0FC891F9DA97}"/>
+              </a:ext>
+            </a:extLst>
+          </p:cNvPr>
+          <p:cNvSpPr txBox="1">
+            <a:spLocks/>
+          </p:cNvSpPr>
+          <p:nvPr/>
+        </p:nvSpPr>
+        <p:spPr>
+          <a:xfrm>
+            <a:off x="353532" y="5124925"/>
+            <a:ext cx="11484936" cy="1423766"/>
+          </a:xfrm>
+          <a:prstGeom prst="rect">
+            <a:avLst/>
+          </a:prstGeom>
+        </p:spPr>
+        <p:txBody>
+          <a:bodyPr vert="horz" lIns="91440" tIns="45720" rIns="91440" bIns="45720" rtlCol="0">
+            <a:normAutofit lnSpcReduction="10000"/>
+          </a:bodyPr>
+          <a:lstStyle>
+            <a:lvl1pPr marL="228600" indent="-228600" algn="l" defTabSz="914400" rtl="0" eaLnBrk="1" latinLnBrk="0" hangingPunct="1">
+              <a:lnSpc>
+                <a:spcPct val="90000"/>
+              </a:lnSpc>
+              <a:spcBef>
+                <a:spcPts val="1000"/>
+              </a:spcBef>
+              <a:buFont typeface="Arial" panose="020B0604020202020204" pitchFamily="34" charset="0"/>
+              <a:buChar char="•"/>
+              <a:defRPr sz="2800" kern="1200">
+                <a:solidFill>
+                  <a:schemeClr val="tx1"/>
+                </a:solidFill>
+                <a:latin typeface="+mn-lt"/>
+                <a:ea typeface="+mn-ea"/>
+                <a:cs typeface="+mn-cs"/>
+              </a:defRPr>
+            </a:lvl1pPr>
+            <a:lvl2pPr marL="685800" indent="-228600" algn="l" defTabSz="914400" rtl="0" eaLnBrk="1" latinLnBrk="0" hangingPunct="1">
+              <a:lnSpc>
+                <a:spcPct val="90000"/>
+              </a:lnSpc>
+              <a:spcBef>
+                <a:spcPts val="500"/>
+              </a:spcBef>
+              <a:buFont typeface="Arial" panose="020B0604020202020204" pitchFamily="34" charset="0"/>
+              <a:buChar char="•"/>
+              <a:defRPr sz="2400" kern="1200">
+                <a:solidFill>
+                  <a:schemeClr val="tx1"/>
+                </a:solidFill>
+                <a:latin typeface="+mn-lt"/>
+                <a:ea typeface="+mn-ea"/>
+                <a:cs typeface="+mn-cs"/>
+              </a:defRPr>
+            </a:lvl2pPr>
+            <a:lvl3pPr marL="1143000" indent="-228600" algn="l" defTabSz="914400" rtl="0" eaLnBrk="1" latinLnBrk="0" hangingPunct="1">
+              <a:lnSpc>
+                <a:spcPct val="90000"/>
+              </a:lnSpc>
+              <a:spcBef>
+                <a:spcPts val="500"/>
+              </a:spcBef>
+              <a:buFont typeface="Arial" panose="020B0604020202020204" pitchFamily="34" charset="0"/>
+              <a:buChar char="•"/>
+              <a:defRPr sz="2000" kern="1200">
+                <a:solidFill>
+                  <a:schemeClr val="tx1"/>
+                </a:solidFill>
+                <a:latin typeface="+mn-lt"/>
+                <a:ea typeface="+mn-ea"/>
+                <a:cs typeface="+mn-cs"/>
+              </a:defRPr>
+            </a:lvl3pPr>
+            <a:lvl4pPr marL="1600200" indent="-228600" algn="l" defTabSz="914400" rtl="0" eaLnBrk="1" latinLnBrk="0" hangingPunct="1">
+              <a:lnSpc>
+                <a:spcPct val="90000"/>
+              </a:lnSpc>
+              <a:spcBef>
+                <a:spcPts val="500"/>
+              </a:spcBef>
+              <a:buFont typeface="Arial" panose="020B0604020202020204" pitchFamily="34" charset="0"/>
+              <a:buChar char="•"/>
+              <a:defRPr sz="1800" kern="1200">
+                <a:solidFill>
+                  <a:schemeClr val="tx1"/>
+                </a:solidFill>
+                <a:latin typeface="+mn-lt"/>
+                <a:ea typeface="+mn-ea"/>
+                <a:cs typeface="+mn-cs"/>
+              </a:defRPr>
+            </a:lvl4pPr>
+            <a:lvl5pPr marL="2057400" indent="-228600" algn="l" defTabSz="914400" rtl="0" eaLnBrk="1" latinLnBrk="0" hangingPunct="1">
+              <a:lnSpc>
+                <a:spcPct val="90000"/>
+              </a:lnSpc>
+              <a:spcBef>
+                <a:spcPts val="500"/>
+              </a:spcBef>
+              <a:buFont typeface="Arial" panose="020B0604020202020204" pitchFamily="34" charset="0"/>
+              <a:buChar char="•"/>
+              <a:defRPr sz="1800" kern="1200">
+                <a:solidFill>
+                  <a:schemeClr val="tx1"/>
+                </a:solidFill>
+                <a:latin typeface="+mn-lt"/>
+                <a:ea typeface="+mn-ea"/>
+                <a:cs typeface="+mn-cs"/>
+              </a:defRPr>
+            </a:lvl5pPr>
+            <a:lvl6pPr marL="2514600" indent="-228600" algn="l" defTabSz="914400" rtl="0" eaLnBrk="1" latinLnBrk="0" hangingPunct="1">
+              <a:lnSpc>
+                <a:spcPct val="90000"/>
+              </a:lnSpc>
+              <a:spcBef>
+                <a:spcPts val="500"/>
+              </a:spcBef>
+              <a:buFont typeface="Arial" panose="020B0604020202020204" pitchFamily="34" charset="0"/>
+              <a:buChar char="•"/>
+              <a:defRPr sz="1800" kern="1200">
+                <a:solidFill>
+                  <a:schemeClr val="tx1"/>
+                </a:solidFill>
+                <a:latin typeface="+mn-lt"/>
+                <a:ea typeface="+mn-ea"/>
+                <a:cs typeface="+mn-cs"/>
+              </a:defRPr>
+            </a:lvl6pPr>
+            <a:lvl7pPr marL="2971800" indent="-228600" algn="l" defTabSz="914400" rtl="0" eaLnBrk="1" latinLnBrk="0" hangingPunct="1">
+              <a:lnSpc>
+                <a:spcPct val="90000"/>
+              </a:lnSpc>
+              <a:spcBef>
+                <a:spcPts val="500"/>
+              </a:spcBef>
+              <a:buFont typeface="Arial" panose="020B0604020202020204" pitchFamily="34" charset="0"/>
+              <a:buChar char="•"/>
+              <a:defRPr sz="1800" kern="1200">
+                <a:solidFill>
+                  <a:schemeClr val="tx1"/>
+                </a:solidFill>
+                <a:latin typeface="+mn-lt"/>
+                <a:ea typeface="+mn-ea"/>
+                <a:cs typeface="+mn-cs"/>
+              </a:defRPr>
+            </a:lvl7pPr>
+            <a:lvl8pPr marL="3429000" indent="-228600" algn="l" defTabSz="914400" rtl="0" eaLnBrk="1" latinLnBrk="0" hangingPunct="1">
+              <a:lnSpc>
+                <a:spcPct val="90000"/>
+              </a:lnSpc>
+              <a:spcBef>
+                <a:spcPts val="500"/>
+              </a:spcBef>
+              <a:buFont typeface="Arial" panose="020B0604020202020204" pitchFamily="34" charset="0"/>
+              <a:buChar char="•"/>
+              <a:defRPr sz="1800" kern="1200">
+                <a:solidFill>
+                  <a:schemeClr val="tx1"/>
+                </a:solidFill>
+                <a:latin typeface="+mn-lt"/>
+                <a:ea typeface="+mn-ea"/>
+                <a:cs typeface="+mn-cs"/>
+              </a:defRPr>
+            </a:lvl8pPr>
+            <a:lvl9pPr marL="3886200" indent="-228600" algn="l" defTabSz="914400" rtl="0" eaLnBrk="1" latinLnBrk="0" hangingPunct="1">
+              <a:lnSpc>
+                <a:spcPct val="90000"/>
+              </a:lnSpc>
+              <a:spcBef>
+                <a:spcPts val="500"/>
+              </a:spcBef>
+              <a:buFont typeface="Arial" panose="020B0604020202020204" pitchFamily="34" charset="0"/>
+              <a:buChar char="•"/>
+              <a:defRPr sz="1800" kern="1200">
+                <a:solidFill>
+                  <a:schemeClr val="tx1"/>
+                </a:solidFill>
+                <a:latin typeface="+mn-lt"/>
+                <a:ea typeface="+mn-ea"/>
+                <a:cs typeface="+mn-cs"/>
+              </a:defRPr>
+            </a:lvl9pPr>
+          </a:lstStyle>
+          <a:p>
+            <a:pPr marL="0" indent="0">
+              <a:buNone/>
+            </a:pPr>
+            <a:r>
+              <a:rPr lang="it-IT" sz="2000" dirty="0">
+                <a:latin typeface="JetBrains Mono" pitchFamily="2" charset="0"/>
+              </a:rPr>
+              <a:t>Y algo un poco más complicado (creo). A partir de dos lineas dibujadas que forman un ángulo, dibujar una línea que sea la bisectriz de las anteriores. (</a:t>
+            </a:r>
+            <a:r>
+              <a:rPr lang="it-IT" sz="2000" dirty="0">
+                <a:solidFill>
+                  <a:srgbClr val="0070C0"/>
+                </a:solidFill>
+                <a:latin typeface="JetBrains Mono" pitchFamily="2" charset="0"/>
+              </a:rPr>
+              <a:t>getangle </a:t>
+            </a:r>
+            <a:r>
+              <a:rPr lang="it-IT" sz="2000" dirty="0">
+                <a:solidFill>
+                  <a:srgbClr val="D755BE"/>
+                </a:solidFill>
+                <a:latin typeface="JetBrains Mono" pitchFamily="2" charset="0"/>
+              </a:rPr>
+              <a:t>msg</a:t>
+            </a:r>
+            <a:r>
+              <a:rPr lang="it-IT" sz="2000" dirty="0">
+                <a:latin typeface="JetBrains Mono" pitchFamily="2" charset="0"/>
+              </a:rPr>
+              <a:t>) nos devuelve el ángulo en radianes entre dos puntos. (</a:t>
+            </a:r>
+            <a:r>
+              <a:rPr lang="it-IT" sz="2000" dirty="0">
+                <a:solidFill>
+                  <a:srgbClr val="0070C0"/>
+                </a:solidFill>
+                <a:latin typeface="JetBrains Mono" pitchFamily="2" charset="0"/>
+              </a:rPr>
+              <a:t>getangle</a:t>
+            </a:r>
+            <a:r>
+              <a:rPr lang="it-IT" sz="2000" dirty="0">
+                <a:latin typeface="JetBrains Mono" pitchFamily="2" charset="0"/>
+              </a:rPr>
+              <a:t> </a:t>
+            </a:r>
+            <a:r>
+              <a:rPr lang="it-IT" sz="2000" dirty="0">
+                <a:solidFill>
+                  <a:srgbClr val="FF0000"/>
+                </a:solidFill>
+                <a:latin typeface="JetBrains Mono" pitchFamily="2" charset="0"/>
+              </a:rPr>
+              <a:t>punto1</a:t>
+            </a:r>
+            <a:r>
+              <a:rPr lang="it-IT" sz="2000" dirty="0">
+                <a:latin typeface="JetBrains Mono" pitchFamily="2" charset="0"/>
+              </a:rPr>
+              <a:t> </a:t>
+            </a:r>
+            <a:r>
+              <a:rPr lang="it-IT" sz="2000" dirty="0">
+                <a:solidFill>
+                  <a:srgbClr val="D755BE"/>
+                </a:solidFill>
+                <a:latin typeface="JetBrains Mono" pitchFamily="2" charset="0"/>
+              </a:rPr>
+              <a:t>msg</a:t>
+            </a:r>
+            <a:r>
+              <a:rPr lang="it-IT" sz="2000" dirty="0">
+                <a:latin typeface="JetBrains Mono" pitchFamily="2" charset="0"/>
+              </a:rPr>
+              <a:t>) Nos devuelve le ángulo en radianes entre el punto </a:t>
+            </a:r>
+            <a:r>
+              <a:rPr lang="it-IT" sz="2000" dirty="0">
+                <a:solidFill>
+                  <a:srgbClr val="FF0000"/>
+                </a:solidFill>
+                <a:latin typeface="JetBrains Mono" pitchFamily="2" charset="0"/>
+              </a:rPr>
+              <a:t>punto1</a:t>
+            </a:r>
+            <a:r>
+              <a:rPr lang="it-IT" sz="2000" dirty="0">
+                <a:latin typeface="JetBrains Mono" pitchFamily="2" charset="0"/>
+              </a:rPr>
+              <a:t> y el que piquemos en pantalla.</a:t>
+            </a:r>
+            <a:endParaRPr lang="es-AR" sz="2000" dirty="0">
+              <a:solidFill>
+                <a:srgbClr val="0070C0"/>
+              </a:solidFill>
+              <a:latin typeface="JetBrains Mono" pitchFamily="2" charset="0"/>
+            </a:endParaRPr>
+          </a:p>
+        </p:txBody>
+      </p:sp>
+    </p:spTree>
+    <p:extLst>
+      <p:ext uri="{BB962C8B-B14F-4D97-AF65-F5344CB8AC3E}">
+        <p14:creationId xmlns:p14="http://schemas.microsoft.com/office/powerpoint/2010/main" val="2082031812"/>
+      </p:ext>
+    </p:extLst>
+  </p:cSld>
+  <p:clrMapOvr>
+    <a:masterClrMapping/>
+  </p:clrMapOvr>
+  <p:timing>
+    <p:tnLst>
+      <p:par>
+        <p:cTn id="1" dur="indefinite" restart="never" nodeType="tmRoot">
+          <p:childTnLst>
+            <p:seq concurrent="1" nextAc="seek">
+              <p:cTn id="2" dur="indefinite" nodeType="mainSeq">
+                <p:childTnLst>
+                  <p:par>
+                    <p:cTn id="3" fill="hold">
+                      <p:stCondLst>
+                        <p:cond delay="indefinite"/>
+                      </p:stCondLst>
+                      <p:childTnLst>
+                        <p:par>
+                          <p:cTn id="4" fill="hold">
+                            <p:stCondLst>
+                              <p:cond delay="0"/>
+                            </p:stCondLst>
+                            <p:childTnLst>
+                              <p:par>
+                                <p:cTn id="5" presetID="1" presetClass="entr" presetSubtype="0" fill="hold" nodeType="clickEffect">
+                                  <p:stCondLst>
+                                    <p:cond delay="0"/>
+                                  </p:stCondLst>
+                                  <p:childTnLst>
+                                    <p:set>
+                                      <p:cBhvr>
+                                        <p:cTn id="6" dur="1" fill="hold">
+                                          <p:stCondLst>
+                                            <p:cond delay="0"/>
+                                          </p:stCondLst>
+                                        </p:cTn>
+                                        <p:tgtEl>
+                                          <p:spTgt spid="10"/>
+                                        </p:tgtEl>
+                                        <p:attrNameLst>
+                                          <p:attrName>style.visibility</p:attrName>
+                                        </p:attrNameLst>
+                                      </p:cBhvr>
+                                      <p:to>
+                                        <p:strVal val="visible"/>
+                                      </p:to>
+                                    </p:set>
+                                  </p:childTnLst>
+                                </p:cTn>
+                              </p:par>
+                            </p:childTnLst>
+                          </p:cTn>
+                        </p:par>
+                      </p:childTnLst>
+                    </p:cTn>
+                  </p:par>
+                  <p:par>
+                    <p:cTn id="7" fill="hold">
+                      <p:stCondLst>
+                        <p:cond delay="indefinite"/>
+                      </p:stCondLst>
+                      <p:childTnLst>
+                        <p:par>
+                          <p:cTn id="8" fill="hold">
+                            <p:stCondLst>
+                              <p:cond delay="0"/>
+                            </p:stCondLst>
+                            <p:childTnLst>
+                              <p:par>
+                                <p:cTn id="9" presetID="1" presetClass="entr" presetSubtype="0" fill="hold" grpId="0" nodeType="clickEffect">
+                                  <p:stCondLst>
+                                    <p:cond delay="0"/>
+                                  </p:stCondLst>
+                                  <p:childTnLst>
+                                    <p:set>
+                                      <p:cBhvr>
+                                        <p:cTn id="10" dur="1" fill="hold">
+                                          <p:stCondLst>
+                                            <p:cond delay="0"/>
+                                          </p:stCondLst>
+                                        </p:cTn>
+                                        <p:tgtEl>
+                                          <p:spTgt spid="5"/>
+                                        </p:tgtEl>
+                                        <p:attrNameLst>
+                                          <p:attrName>style.visibility</p:attrName>
+                                        </p:attrNameLst>
+                                      </p:cBhvr>
+                                      <p:to>
+                                        <p:strVal val="visible"/>
+                                      </p:to>
+                                    </p:set>
+                                  </p:childTnLst>
+                                </p:cTn>
+                              </p:par>
+                              <p:par>
+                                <p:cTn id="11" presetID="1" presetClass="entr" presetSubtype="0" fill="hold" grpId="0" nodeType="withEffect">
+                                  <p:stCondLst>
+                                    <p:cond delay="0"/>
+                                  </p:stCondLst>
+                                  <p:childTnLst>
+                                    <p:set>
+                                      <p:cBhvr>
+                                        <p:cTn id="12" dur="1" fill="hold">
+                                          <p:stCondLst>
+                                            <p:cond delay="0"/>
+                                          </p:stCondLst>
+                                        </p:cTn>
+                                        <p:tgtEl>
+                                          <p:spTgt spid="7"/>
+                                        </p:tgtEl>
+                                        <p:attrNameLst>
+                                          <p:attrName>style.visibility</p:attrName>
+                                        </p:attrNameLst>
+                                      </p:cBhvr>
+                                      <p:to>
+                                        <p:strVal val="visible"/>
+                                      </p:to>
+                                    </p:set>
+                                  </p:childTnLst>
+                                </p:cTn>
+                              </p:par>
+                              <p:par>
+                                <p:cTn id="13" presetID="1" presetClass="entr" presetSubtype="0" fill="hold" grpId="0" nodeType="withEffect">
+                                  <p:stCondLst>
+                                    <p:cond delay="0"/>
+                                  </p:stCondLst>
+                                  <p:childTnLst>
+                                    <p:set>
+                                      <p:cBhvr>
+                                        <p:cTn id="14" dur="1" fill="hold">
+                                          <p:stCondLst>
+                                            <p:cond delay="0"/>
+                                          </p:stCondLst>
+                                        </p:cTn>
+                                        <p:tgtEl>
+                                          <p:spTgt spid="8"/>
+                                        </p:tgtEl>
+                                        <p:attrNameLst>
+                                          <p:attrName>style.visibility</p:attrName>
+                                        </p:attrNameLst>
+                                      </p:cBhvr>
+                                      <p:to>
+                                        <p:strVal val="visible"/>
+                                      </p:to>
+                                    </p:set>
+                                  </p:childTnLst>
+                                </p:cTn>
+                              </p:par>
+                            </p:childTnLst>
+                          </p:cTn>
+                        </p:par>
+                      </p:childTnLst>
+                    </p:cTn>
+                  </p:par>
+                  <p:par>
+                    <p:cTn id="15" fill="hold">
+                      <p:stCondLst>
+                        <p:cond delay="indefinite"/>
+                      </p:stCondLst>
+                      <p:childTnLst>
+                        <p:par>
+                          <p:cTn id="16" fill="hold">
+                            <p:stCondLst>
+                              <p:cond delay="0"/>
+                            </p:stCondLst>
+                            <p:childTnLst>
+                              <p:par>
+                                <p:cTn id="17" presetID="1" presetClass="exit" presetSubtype="0" fill="hold" nodeType="clickEffect">
+                                  <p:stCondLst>
+                                    <p:cond delay="0"/>
+                                  </p:stCondLst>
+                                  <p:childTnLst>
+                                    <p:set>
+                                      <p:cBhvr>
+                                        <p:cTn id="18" dur="1" fill="hold">
+                                          <p:stCondLst>
+                                            <p:cond delay="0"/>
+                                          </p:stCondLst>
+                                        </p:cTn>
+                                        <p:tgtEl>
+                                          <p:spTgt spid="10"/>
+                                        </p:tgtEl>
+                                        <p:attrNameLst>
+                                          <p:attrName>style.visibility</p:attrName>
+                                        </p:attrNameLst>
+                                      </p:cBhvr>
+                                      <p:to>
+                                        <p:strVal val="hidden"/>
+                                      </p:to>
+                                    </p:set>
+                                  </p:childTnLst>
+                                </p:cTn>
+                              </p:par>
+                            </p:childTnLst>
+                          </p:cTn>
+                        </p:par>
+                      </p:childTnLst>
+                    </p:cTn>
+                  </p:par>
+                </p:childTnLst>
+              </p:cTn>
+              <p:prevCondLst>
+                <p:cond evt="onPrev" delay="0">
+                  <p:tgtEl>
+                    <p:sldTgt/>
+                  </p:tgtEl>
+                </p:cond>
+              </p:prevCondLst>
+              <p:nextCondLst>
+                <p:cond evt="onNext" delay="0">
+                  <p:tgtEl>
+                    <p:sldTgt/>
+                  </p:tgtEl>
+                </p:cond>
+              </p:nextCondLst>
+            </p:seq>
+          </p:childTnLst>
+        </p:cTn>
+      </p:par>
+    </p:tnLst>
+    <p:bldLst>
+      <p:bldP spid="5" grpId="0"/>
+      <p:bldP spid="7" grpId="0"/>
+      <p:bldP spid="8" grpId="0"/>
+    </p:bldLst>
+  </p:timing>
+</p:sld>
+</file>
+
 <file path=ppt/slides/slide2.xml><?xml version="1.0" encoding="utf-8"?>
 <p:sld xmlns:a="http://schemas.openxmlformats.org/drawingml/2006/main" xmlns:r="http://schemas.openxmlformats.org/officeDocument/2006/relationships" xmlns:p="http://schemas.openxmlformats.org/presentationml/2006/main">
   <p:cSld>
@@ -10346,48 +12856,12 @@
           <a:chExt cx="0" cy="0"/>
         </a:xfrm>
       </p:grpSpPr>
-      <p:pic>
-        <p:nvPicPr>
-          <p:cNvPr id="10" name="Imagen 9">
+      <p:sp>
+        <p:nvSpPr>
+          <p:cNvPr id="8" name="Título 1">
             <a:extLst>
               <a:ext uri="{FF2B5EF4-FFF2-40B4-BE49-F238E27FC236}">
-                <a16:creationId xmlns:a16="http://schemas.microsoft.com/office/drawing/2014/main" id="{88BD1590-AA86-4C7A-8129-CF0AD2C8BAC8}"/>
-              </a:ext>
-            </a:extLst>
-          </p:cNvPr>
-          <p:cNvPicPr>
-            <a:picLocks noChangeAspect="1"/>
-          </p:cNvPicPr>
-          <p:nvPr/>
-        </p:nvPicPr>
-        <p:blipFill>
-          <a:blip r:embed="rId2">
-            <a:extLst>
-              <a:ext uri="{28A0092B-C50C-407E-A947-70E740481C1C}">
-                <a14:useLocalDpi xmlns:a14="http://schemas.microsoft.com/office/drawing/2010/main" val="0"/>
-              </a:ext>
-            </a:extLst>
-          </a:blip>
-          <a:stretch>
-            <a:fillRect/>
-          </a:stretch>
-        </p:blipFill>
-        <p:spPr>
-          <a:xfrm>
-            <a:off x="3809171" y="1965412"/>
-            <a:ext cx="4229100" cy="2457450"/>
-          </a:xfrm>
-          <a:prstGeom prst="rect">
-            <a:avLst/>
-          </a:prstGeom>
-        </p:spPr>
-      </p:pic>
-      <p:sp>
-        <p:nvSpPr>
-          <p:cNvPr id="4" name="Título 1">
-            <a:extLst>
-              <a:ext uri="{FF2B5EF4-FFF2-40B4-BE49-F238E27FC236}">
-                <a16:creationId xmlns:a16="http://schemas.microsoft.com/office/drawing/2014/main" id="{7229E13F-3B4F-4D28-A4E5-A5BFD1B4ECFC}"/>
+                <a16:creationId xmlns:a16="http://schemas.microsoft.com/office/drawing/2014/main" id="{B8300CEE-18F0-4F8B-B2F5-E88058F4C56F}"/>
               </a:ext>
             </a:extLst>
           </p:cNvPr>
@@ -10400,7 +12874,7 @@
         </p:nvSpPr>
         <p:spPr>
           <a:xfrm>
-            <a:off x="838200" y="166342"/>
+            <a:off x="838200" y="365125"/>
             <a:ext cx="10515600" cy="633251"/>
           </a:xfrm>
         </p:spPr>
@@ -10412,17 +12886,17 @@
           <a:p>
             <a:r>
               <a:rPr lang="es-AR" dirty="0"/>
-              <a:t>Para analizar en casa</a:t>
+              <a:t>Unas funciones útiles.</a:t>
             </a:r>
           </a:p>
         </p:txBody>
       </p:sp>
       <p:sp>
         <p:nvSpPr>
-          <p:cNvPr id="5" name="Marcador de contenido 4">
+          <p:cNvPr id="10" name="Marcador de contenido 4">
             <a:extLst>
               <a:ext uri="{FF2B5EF4-FFF2-40B4-BE49-F238E27FC236}">
-                <a16:creationId xmlns:a16="http://schemas.microsoft.com/office/drawing/2014/main" id="{855AAF4B-FBB6-42EE-B858-6A8B640923AE}"/>
+                <a16:creationId xmlns:a16="http://schemas.microsoft.com/office/drawing/2014/main" id="{5EB2B07C-E61D-4766-84C9-9A1BDCAA2AA8}"/>
               </a:ext>
             </a:extLst>
           </p:cNvPr>
@@ -10433,8 +12907,8 @@
         </p:nvSpPr>
         <p:spPr>
           <a:xfrm>
-            <a:off x="353532" y="833528"/>
-            <a:ext cx="11484936" cy="1094147"/>
+            <a:off x="470452" y="1509253"/>
+            <a:ext cx="11251095" cy="4454226"/>
           </a:xfrm>
           <a:prstGeom prst="rect">
             <a:avLst/>
@@ -10610,218 +13084,6 @@
           </a:lstStyle>
           <a:p>
             <a:pPr marL="0" indent="0">
-              <a:buFont typeface="Arial" panose="020B0604020202020204" pitchFamily="34" charset="0"/>
-              <a:buNone/>
-            </a:pPr>
-            <a:r>
-              <a:rPr lang="it-IT" sz="2000" dirty="0">
-                <a:latin typeface="JetBrains Mono" pitchFamily="2" charset="0"/>
-              </a:rPr>
-              <a:t>Escribamos un programa que a partir de la entrada dos puntos, por parte del usuario, nos dibuje una línea entre éstos y dibuje un punto exáctamente en el medio de la línea.</a:t>
-            </a:r>
-            <a:endParaRPr lang="es-AR" sz="2000" dirty="0">
-              <a:solidFill>
-                <a:srgbClr val="0070C0"/>
-              </a:solidFill>
-              <a:latin typeface="JetBrains Mono" pitchFamily="2" charset="0"/>
-            </a:endParaRPr>
-          </a:p>
-        </p:txBody>
-      </p:sp>
-      <p:sp>
-        <p:nvSpPr>
-          <p:cNvPr id="7" name="Marcador de contenido 4">
-            <a:extLst>
-              <a:ext uri="{FF2B5EF4-FFF2-40B4-BE49-F238E27FC236}">
-                <a16:creationId xmlns:a16="http://schemas.microsoft.com/office/drawing/2014/main" id="{D0DBD245-B6B6-4C3B-8EC7-FACF912EC84C}"/>
-              </a:ext>
-            </a:extLst>
-          </p:cNvPr>
-          <p:cNvSpPr txBox="1">
-            <a:spLocks/>
-          </p:cNvSpPr>
-          <p:nvPr/>
-        </p:nvSpPr>
-        <p:spPr>
-          <a:xfrm>
-            <a:off x="353532" y="1851638"/>
-            <a:ext cx="11484936" cy="3273287"/>
-          </a:xfrm>
-          <a:prstGeom prst="rect">
-            <a:avLst/>
-          </a:prstGeom>
-        </p:spPr>
-        <p:txBody>
-          <a:bodyPr vert="horz" lIns="91440" tIns="45720" rIns="91440" bIns="45720" rtlCol="0">
-            <a:normAutofit lnSpcReduction="10000"/>
-          </a:bodyPr>
-          <a:lstStyle>
-            <a:lvl1pPr marL="228600" indent="-228600" algn="l" defTabSz="914400" rtl="0" eaLnBrk="1" latinLnBrk="0" hangingPunct="1">
-              <a:lnSpc>
-                <a:spcPct val="90000"/>
-              </a:lnSpc>
-              <a:spcBef>
-                <a:spcPts val="1000"/>
-              </a:spcBef>
-              <a:buFont typeface="Arial" panose="020B0604020202020204" pitchFamily="34" charset="0"/>
-              <a:buChar char="•"/>
-              <a:defRPr sz="2800" kern="1200">
-                <a:solidFill>
-                  <a:schemeClr val="tx1"/>
-                </a:solidFill>
-                <a:latin typeface="+mn-lt"/>
-                <a:ea typeface="+mn-ea"/>
-                <a:cs typeface="+mn-cs"/>
-              </a:defRPr>
-            </a:lvl1pPr>
-            <a:lvl2pPr marL="685800" indent="-228600" algn="l" defTabSz="914400" rtl="0" eaLnBrk="1" latinLnBrk="0" hangingPunct="1">
-              <a:lnSpc>
-                <a:spcPct val="90000"/>
-              </a:lnSpc>
-              <a:spcBef>
-                <a:spcPts val="500"/>
-              </a:spcBef>
-              <a:buFont typeface="Arial" panose="020B0604020202020204" pitchFamily="34" charset="0"/>
-              <a:buChar char="•"/>
-              <a:defRPr sz="2400" kern="1200">
-                <a:solidFill>
-                  <a:schemeClr val="tx1"/>
-                </a:solidFill>
-                <a:latin typeface="+mn-lt"/>
-                <a:ea typeface="+mn-ea"/>
-                <a:cs typeface="+mn-cs"/>
-              </a:defRPr>
-            </a:lvl2pPr>
-            <a:lvl3pPr marL="1143000" indent="-228600" algn="l" defTabSz="914400" rtl="0" eaLnBrk="1" latinLnBrk="0" hangingPunct="1">
-              <a:lnSpc>
-                <a:spcPct val="90000"/>
-              </a:lnSpc>
-              <a:spcBef>
-                <a:spcPts val="500"/>
-              </a:spcBef>
-              <a:buFont typeface="Arial" panose="020B0604020202020204" pitchFamily="34" charset="0"/>
-              <a:buChar char="•"/>
-              <a:defRPr sz="2000" kern="1200">
-                <a:solidFill>
-                  <a:schemeClr val="tx1"/>
-                </a:solidFill>
-                <a:latin typeface="+mn-lt"/>
-                <a:ea typeface="+mn-ea"/>
-                <a:cs typeface="+mn-cs"/>
-              </a:defRPr>
-            </a:lvl3pPr>
-            <a:lvl4pPr marL="1600200" indent="-228600" algn="l" defTabSz="914400" rtl="0" eaLnBrk="1" latinLnBrk="0" hangingPunct="1">
-              <a:lnSpc>
-                <a:spcPct val="90000"/>
-              </a:lnSpc>
-              <a:spcBef>
-                <a:spcPts val="500"/>
-              </a:spcBef>
-              <a:buFont typeface="Arial" panose="020B0604020202020204" pitchFamily="34" charset="0"/>
-              <a:buChar char="•"/>
-              <a:defRPr sz="1800" kern="1200">
-                <a:solidFill>
-                  <a:schemeClr val="tx1"/>
-                </a:solidFill>
-                <a:latin typeface="+mn-lt"/>
-                <a:ea typeface="+mn-ea"/>
-                <a:cs typeface="+mn-cs"/>
-              </a:defRPr>
-            </a:lvl4pPr>
-            <a:lvl5pPr marL="2057400" indent="-228600" algn="l" defTabSz="914400" rtl="0" eaLnBrk="1" latinLnBrk="0" hangingPunct="1">
-              <a:lnSpc>
-                <a:spcPct val="90000"/>
-              </a:lnSpc>
-              <a:spcBef>
-                <a:spcPts val="500"/>
-              </a:spcBef>
-              <a:buFont typeface="Arial" panose="020B0604020202020204" pitchFamily="34" charset="0"/>
-              <a:buChar char="•"/>
-              <a:defRPr sz="1800" kern="1200">
-                <a:solidFill>
-                  <a:schemeClr val="tx1"/>
-                </a:solidFill>
-                <a:latin typeface="+mn-lt"/>
-                <a:ea typeface="+mn-ea"/>
-                <a:cs typeface="+mn-cs"/>
-              </a:defRPr>
-            </a:lvl5pPr>
-            <a:lvl6pPr marL="2514600" indent="-228600" algn="l" defTabSz="914400" rtl="0" eaLnBrk="1" latinLnBrk="0" hangingPunct="1">
-              <a:lnSpc>
-                <a:spcPct val="90000"/>
-              </a:lnSpc>
-              <a:spcBef>
-                <a:spcPts val="500"/>
-              </a:spcBef>
-              <a:buFont typeface="Arial" panose="020B0604020202020204" pitchFamily="34" charset="0"/>
-              <a:buChar char="•"/>
-              <a:defRPr sz="1800" kern="1200">
-                <a:solidFill>
-                  <a:schemeClr val="tx1"/>
-                </a:solidFill>
-                <a:latin typeface="+mn-lt"/>
-                <a:ea typeface="+mn-ea"/>
-                <a:cs typeface="+mn-cs"/>
-              </a:defRPr>
-            </a:lvl6pPr>
-            <a:lvl7pPr marL="2971800" indent="-228600" algn="l" defTabSz="914400" rtl="0" eaLnBrk="1" latinLnBrk="0" hangingPunct="1">
-              <a:lnSpc>
-                <a:spcPct val="90000"/>
-              </a:lnSpc>
-              <a:spcBef>
-                <a:spcPts val="500"/>
-              </a:spcBef>
-              <a:buFont typeface="Arial" panose="020B0604020202020204" pitchFamily="34" charset="0"/>
-              <a:buChar char="•"/>
-              <a:defRPr sz="1800" kern="1200">
-                <a:solidFill>
-                  <a:schemeClr val="tx1"/>
-                </a:solidFill>
-                <a:latin typeface="+mn-lt"/>
-                <a:ea typeface="+mn-ea"/>
-                <a:cs typeface="+mn-cs"/>
-              </a:defRPr>
-            </a:lvl7pPr>
-            <a:lvl8pPr marL="3429000" indent="-228600" algn="l" defTabSz="914400" rtl="0" eaLnBrk="1" latinLnBrk="0" hangingPunct="1">
-              <a:lnSpc>
-                <a:spcPct val="90000"/>
-              </a:lnSpc>
-              <a:spcBef>
-                <a:spcPts val="500"/>
-              </a:spcBef>
-              <a:buFont typeface="Arial" panose="020B0604020202020204" pitchFamily="34" charset="0"/>
-              <a:buChar char="•"/>
-              <a:defRPr sz="1800" kern="1200">
-                <a:solidFill>
-                  <a:schemeClr val="tx1"/>
-                </a:solidFill>
-                <a:latin typeface="+mn-lt"/>
-                <a:ea typeface="+mn-ea"/>
-                <a:cs typeface="+mn-cs"/>
-              </a:defRPr>
-            </a:lvl8pPr>
-            <a:lvl9pPr marL="3886200" indent="-228600" algn="l" defTabSz="914400" rtl="0" eaLnBrk="1" latinLnBrk="0" hangingPunct="1">
-              <a:lnSpc>
-                <a:spcPct val="90000"/>
-              </a:lnSpc>
-              <a:spcBef>
-                <a:spcPts val="500"/>
-              </a:spcBef>
-              <a:buFont typeface="Arial" panose="020B0604020202020204" pitchFamily="34" charset="0"/>
-              <a:buChar char="•"/>
-              <a:defRPr sz="1800" kern="1200">
-                <a:solidFill>
-                  <a:schemeClr val="tx1"/>
-                </a:solidFill>
-                <a:latin typeface="+mn-lt"/>
-                <a:ea typeface="+mn-ea"/>
-                <a:cs typeface="+mn-cs"/>
-              </a:defRPr>
-            </a:lvl9pPr>
-          </a:lstStyle>
-          <a:p>
-            <a:pPr marL="0" indent="0">
-              <a:buFont typeface="Arial" panose="020B0604020202020204" pitchFamily="34" charset="0"/>
               <a:buNone/>
             </a:pPr>
             <a:r>
@@ -10833,74 +13095,131 @@
                 </a:solidFill>
                 <a:latin typeface="JetBrains Mono" pitchFamily="2" charset="0"/>
               </a:rPr>
-              <a:t>;Funciones útiles:</a:t>
+              <a:t>;la función cond (funciona como un switch)</a:t>
             </a:r>
           </a:p>
           <a:p>
             <a:pPr marL="0" indent="0">
-              <a:buFont typeface="Arial" panose="020B0604020202020204" pitchFamily="34" charset="0"/>
               <a:buNone/>
             </a:pPr>
-            <a:endParaRPr lang="it-IT" sz="2000" dirty="0">
-              <a:solidFill>
-                <a:schemeClr val="bg1">
-                  <a:lumMod val="50000"/>
-                </a:schemeClr>
-              </a:solidFill>
-              <a:latin typeface="JetBrains Mono" pitchFamily="2" charset="0"/>
-            </a:endParaRPr>
+            <a:r>
+              <a:rPr lang="it-IT" sz="2000" dirty="0">
+                <a:solidFill>
+                  <a:srgbClr val="00B050"/>
+                </a:solidFill>
+                <a:latin typeface="JetBrains Mono" pitchFamily="2" charset="0"/>
+              </a:rPr>
+              <a:t>(</a:t>
+            </a:r>
+            <a:r>
+              <a:rPr lang="it-IT" sz="2000" dirty="0">
+                <a:solidFill>
+                  <a:srgbClr val="0070C0"/>
+                </a:solidFill>
+                <a:latin typeface="JetBrains Mono" pitchFamily="2" charset="0"/>
+              </a:rPr>
+              <a:t>cond</a:t>
+            </a:r>
           </a:p>
           <a:p>
             <a:pPr marL="0" indent="0">
-              <a:buFont typeface="Arial" panose="020B0604020202020204" pitchFamily="34" charset="0"/>
               <a:buNone/>
             </a:pPr>
             <a:r>
               <a:rPr lang="it-IT" sz="2000" dirty="0">
+                <a:solidFill>
+                  <a:srgbClr val="0070C0"/>
+                </a:solidFill>
+                <a:latin typeface="JetBrains Mono" pitchFamily="2" charset="0"/>
+              </a:rPr>
+              <a:t>  </a:t>
+            </a:r>
+            <a:r>
+              <a:rPr lang="it-IT" sz="2000" dirty="0">
+                <a:solidFill>
+                  <a:srgbClr val="C00000"/>
+                </a:solidFill>
                 <a:latin typeface="JetBrains Mono" pitchFamily="2" charset="0"/>
               </a:rPr>
               <a:t>(</a:t>
             </a:r>
             <a:r>
               <a:rPr lang="it-IT" sz="2000" dirty="0">
+                <a:latin typeface="JetBrains Mono" pitchFamily="2" charset="0"/>
+              </a:rPr>
+              <a:t>(expresión a evaluar por T o nil)</a:t>
+            </a:r>
+          </a:p>
+          <a:p>
+            <a:pPr marL="0" indent="0">
+              <a:buNone/>
+            </a:pPr>
+            <a:r>
+              <a:rPr lang="it-IT" sz="2000" dirty="0">
+                <a:latin typeface="JetBrains Mono" pitchFamily="2" charset="0"/>
+              </a:rPr>
+              <a:t>	;Sentencias</a:t>
+            </a:r>
+          </a:p>
+          <a:p>
+            <a:pPr marL="0" indent="0">
+              <a:buNone/>
+            </a:pPr>
+            <a:r>
+              <a:rPr lang="it-IT" sz="2000" dirty="0">
+                <a:latin typeface="JetBrains Mono" pitchFamily="2" charset="0"/>
+              </a:rPr>
+              <a:t>  </a:t>
+            </a:r>
+            <a:r>
+              <a:rPr lang="it-IT" sz="2000" dirty="0">
+                <a:solidFill>
+                  <a:srgbClr val="C00000"/>
+                </a:solidFill>
+                <a:latin typeface="JetBrains Mono" pitchFamily="2" charset="0"/>
+              </a:rPr>
+              <a:t>)</a:t>
+            </a:r>
+          </a:p>
+          <a:p>
+            <a:pPr marL="0" indent="0">
+              <a:buNone/>
+            </a:pPr>
+            <a:r>
+              <a:rPr lang="it-IT" sz="2000" dirty="0">
                 <a:solidFill>
                   <a:srgbClr val="0070C0"/>
                 </a:solidFill>
                 <a:latin typeface="JetBrains Mono" pitchFamily="2" charset="0"/>
               </a:rPr>
-              <a:t>polar</a:t>
-            </a:r>
-            <a:r>
-              <a:rPr lang="it-IT" sz="2000" dirty="0">
-                <a:latin typeface="JetBrains Mono" pitchFamily="2" charset="0"/>
-              </a:rPr>
-              <a:t> punto ángulo distancia) </a:t>
-            </a:r>
-            <a:r>
-              <a:rPr lang="it-IT" sz="2000" dirty="0">
-                <a:solidFill>
-                  <a:schemeClr val="bg1">
-                    <a:lumMod val="50000"/>
-                  </a:schemeClr>
-                </a:solidFill>
-                <a:latin typeface="JetBrains Mono" pitchFamily="2" charset="0"/>
-              </a:rPr>
-              <a:t>;Retorna: Lista que representa un punto.</a:t>
+              <a:t>  </a:t>
+            </a:r>
+            <a:r>
+              <a:rPr lang="it-IT" sz="2000" dirty="0">
+                <a:solidFill>
+                  <a:srgbClr val="C00000"/>
+                </a:solidFill>
+                <a:latin typeface="JetBrains Mono" pitchFamily="2" charset="0"/>
+              </a:rPr>
+              <a:t>(</a:t>
+            </a:r>
+            <a:r>
+              <a:rPr lang="it-IT" sz="2000" dirty="0">
+                <a:latin typeface="JetBrains Mono" pitchFamily="2" charset="0"/>
+              </a:rPr>
+              <a:t>(expresión a evaluar por T o nil)</a:t>
             </a:r>
           </a:p>
           <a:p>
             <a:pPr marL="0" indent="0">
-              <a:buFont typeface="Arial" panose="020B0604020202020204" pitchFamily="34" charset="0"/>
               <a:buNone/>
             </a:pPr>
-            <a:endParaRPr lang="it-IT" sz="2000" dirty="0">
-              <a:solidFill>
-                <a:schemeClr val="bg1">
-                  <a:lumMod val="50000"/>
-                </a:schemeClr>
-              </a:solidFill>
-              <a:latin typeface="JetBrains Mono" pitchFamily="2" charset="0"/>
-            </a:endParaRPr>
+            <a:r>
+              <a:rPr lang="it-IT" sz="2000" dirty="0">
+                <a:latin typeface="JetBrains Mono" pitchFamily="2" charset="0"/>
+              </a:rPr>
+              <a:t>	;Sentencias</a:t>
+            </a:r>
           </a:p>
           <a:p>
             <a:pPr marL="0" indent="0">
@@ -10910,615 +13229,44 @@
               <a:rPr lang="it-IT" sz="2000" dirty="0">
                 <a:latin typeface="JetBrains Mono" pitchFamily="2" charset="0"/>
               </a:rPr>
-              <a:t>(</a:t>
-            </a:r>
-            <a:r>
-              <a:rPr lang="it-IT" sz="2000" dirty="0">
-                <a:solidFill>
-                  <a:srgbClr val="0070C0"/>
-                </a:solidFill>
-                <a:latin typeface="JetBrains Mono" pitchFamily="2" charset="0"/>
-              </a:rPr>
-              <a:t>distance </a:t>
-            </a:r>
-            <a:r>
-              <a:rPr lang="it-IT" sz="2000" dirty="0">
-                <a:latin typeface="JetBrains Mono" pitchFamily="2" charset="0"/>
-              </a:rPr>
-              <a:t>punto1 punto2) </a:t>
-            </a:r>
-            <a:r>
-              <a:rPr lang="it-IT" sz="2000" dirty="0">
-                <a:solidFill>
-                  <a:schemeClr val="bg1">
-                    <a:lumMod val="50000"/>
-                  </a:schemeClr>
-                </a:solidFill>
-                <a:latin typeface="JetBrains Mono" pitchFamily="2" charset="0"/>
-              </a:rPr>
-              <a:t>;Retorna: Distancia entre los dos puntos (en el plano)</a:t>
+              <a:t>  </a:t>
+            </a:r>
+            <a:r>
+              <a:rPr lang="it-IT" sz="2000" dirty="0">
+                <a:solidFill>
+                  <a:srgbClr val="C00000"/>
+                </a:solidFill>
+                <a:latin typeface="JetBrains Mono" pitchFamily="2" charset="0"/>
+              </a:rPr>
+              <a:t>)</a:t>
             </a:r>
           </a:p>
           <a:p>
             <a:pPr marL="0" indent="0">
               <a:buNone/>
             </a:pPr>
-            <a:endParaRPr lang="it-IT" sz="2000" dirty="0">
-              <a:solidFill>
-                <a:schemeClr val="bg1">
-                  <a:lumMod val="50000"/>
-                </a:schemeClr>
-              </a:solidFill>
-              <a:latin typeface="JetBrains Mono" pitchFamily="2" charset="0"/>
-            </a:endParaRPr>
-          </a:p>
-          <a:p>
-            <a:pPr marL="0" indent="0">
-              <a:buNone/>
-            </a:pPr>
-            <a:r>
-              <a:rPr lang="it-IT" sz="2000" dirty="0">
-                <a:latin typeface="JetBrains Mono" pitchFamily="2" charset="0"/>
-              </a:rPr>
-              <a:t>(</a:t>
-            </a:r>
-            <a:r>
-              <a:rPr lang="it-IT" sz="2000" dirty="0">
-                <a:solidFill>
-                  <a:srgbClr val="0070C0"/>
-                </a:solidFill>
-                <a:latin typeface="JetBrains Mono" pitchFamily="2" charset="0"/>
-              </a:rPr>
-              <a:t>angle </a:t>
-            </a:r>
-            <a:r>
-              <a:rPr lang="it-IT" sz="2000" dirty="0">
-                <a:latin typeface="JetBrains Mono" pitchFamily="2" charset="0"/>
-              </a:rPr>
-              <a:t>punto1 punto2) </a:t>
-            </a:r>
-            <a:r>
-              <a:rPr lang="it-IT" sz="2000" dirty="0">
-                <a:solidFill>
-                  <a:schemeClr val="bg1">
-                    <a:lumMod val="50000"/>
-                  </a:schemeClr>
-                </a:solidFill>
-                <a:latin typeface="JetBrains Mono" pitchFamily="2" charset="0"/>
-              </a:rPr>
-              <a:t>;Retorna: El ángulo en radianes desde el eje X (incrementan en sentido antihorario)</a:t>
-            </a:r>
-          </a:p>
-        </p:txBody>
-      </p:sp>
-      <p:sp>
-        <p:nvSpPr>
-          <p:cNvPr id="8" name="Marcador de contenido 4">
-            <a:extLst>
-              <a:ext uri="{FF2B5EF4-FFF2-40B4-BE49-F238E27FC236}">
-                <a16:creationId xmlns:a16="http://schemas.microsoft.com/office/drawing/2014/main" id="{E1010F2C-CFF4-456A-ABA0-0FC891F9DA97}"/>
-              </a:ext>
-            </a:extLst>
-          </p:cNvPr>
-          <p:cNvSpPr txBox="1">
-            <a:spLocks/>
-          </p:cNvSpPr>
-          <p:nvPr/>
-        </p:nvSpPr>
-        <p:spPr>
-          <a:xfrm>
-            <a:off x="353532" y="5124925"/>
-            <a:ext cx="11484936" cy="1423766"/>
-          </a:xfrm>
-          <a:prstGeom prst="rect">
-            <a:avLst/>
-          </a:prstGeom>
-        </p:spPr>
-        <p:txBody>
-          <a:bodyPr vert="horz" lIns="91440" tIns="45720" rIns="91440" bIns="45720" rtlCol="0">
-            <a:normAutofit lnSpcReduction="10000"/>
-          </a:bodyPr>
-          <a:lstStyle>
-            <a:lvl1pPr marL="228600" indent="-228600" algn="l" defTabSz="914400" rtl="0" eaLnBrk="1" latinLnBrk="0" hangingPunct="1">
-              <a:lnSpc>
-                <a:spcPct val="90000"/>
-              </a:lnSpc>
-              <a:spcBef>
-                <a:spcPts val="1000"/>
-              </a:spcBef>
-              <a:buFont typeface="Arial" panose="020B0604020202020204" pitchFamily="34" charset="0"/>
-              <a:buChar char="•"/>
-              <a:defRPr sz="2800" kern="1200">
-                <a:solidFill>
-                  <a:schemeClr val="tx1"/>
-                </a:solidFill>
-                <a:latin typeface="+mn-lt"/>
-                <a:ea typeface="+mn-ea"/>
-                <a:cs typeface="+mn-cs"/>
-              </a:defRPr>
-            </a:lvl1pPr>
-            <a:lvl2pPr marL="685800" indent="-228600" algn="l" defTabSz="914400" rtl="0" eaLnBrk="1" latinLnBrk="0" hangingPunct="1">
-              <a:lnSpc>
-                <a:spcPct val="90000"/>
-              </a:lnSpc>
-              <a:spcBef>
-                <a:spcPts val="500"/>
-              </a:spcBef>
-              <a:buFont typeface="Arial" panose="020B0604020202020204" pitchFamily="34" charset="0"/>
-              <a:buChar char="•"/>
-              <a:defRPr sz="2400" kern="1200">
-                <a:solidFill>
-                  <a:schemeClr val="tx1"/>
-                </a:solidFill>
-                <a:latin typeface="+mn-lt"/>
-                <a:ea typeface="+mn-ea"/>
-                <a:cs typeface="+mn-cs"/>
-              </a:defRPr>
-            </a:lvl2pPr>
-            <a:lvl3pPr marL="1143000" indent="-228600" algn="l" defTabSz="914400" rtl="0" eaLnBrk="1" latinLnBrk="0" hangingPunct="1">
-              <a:lnSpc>
-                <a:spcPct val="90000"/>
-              </a:lnSpc>
-              <a:spcBef>
-                <a:spcPts val="500"/>
-              </a:spcBef>
-              <a:buFont typeface="Arial" panose="020B0604020202020204" pitchFamily="34" charset="0"/>
-              <a:buChar char="•"/>
-              <a:defRPr sz="2000" kern="1200">
-                <a:solidFill>
-                  <a:schemeClr val="tx1"/>
-                </a:solidFill>
-                <a:latin typeface="+mn-lt"/>
-                <a:ea typeface="+mn-ea"/>
-                <a:cs typeface="+mn-cs"/>
-              </a:defRPr>
-            </a:lvl3pPr>
-            <a:lvl4pPr marL="1600200" indent="-228600" algn="l" defTabSz="914400" rtl="0" eaLnBrk="1" latinLnBrk="0" hangingPunct="1">
-              <a:lnSpc>
-                <a:spcPct val="90000"/>
-              </a:lnSpc>
-              <a:spcBef>
-                <a:spcPts val="500"/>
-              </a:spcBef>
-              <a:buFont typeface="Arial" panose="020B0604020202020204" pitchFamily="34" charset="0"/>
-              <a:buChar char="•"/>
-              <a:defRPr sz="1800" kern="1200">
-                <a:solidFill>
-                  <a:schemeClr val="tx1"/>
-                </a:solidFill>
-                <a:latin typeface="+mn-lt"/>
-                <a:ea typeface="+mn-ea"/>
-                <a:cs typeface="+mn-cs"/>
-              </a:defRPr>
-            </a:lvl4pPr>
-            <a:lvl5pPr marL="2057400" indent="-228600" algn="l" defTabSz="914400" rtl="0" eaLnBrk="1" latinLnBrk="0" hangingPunct="1">
-              <a:lnSpc>
-                <a:spcPct val="90000"/>
-              </a:lnSpc>
-              <a:spcBef>
-                <a:spcPts val="500"/>
-              </a:spcBef>
-              <a:buFont typeface="Arial" panose="020B0604020202020204" pitchFamily="34" charset="0"/>
-              <a:buChar char="•"/>
-              <a:defRPr sz="1800" kern="1200">
-                <a:solidFill>
-                  <a:schemeClr val="tx1"/>
-                </a:solidFill>
-                <a:latin typeface="+mn-lt"/>
-                <a:ea typeface="+mn-ea"/>
-                <a:cs typeface="+mn-cs"/>
-              </a:defRPr>
-            </a:lvl5pPr>
-            <a:lvl6pPr marL="2514600" indent="-228600" algn="l" defTabSz="914400" rtl="0" eaLnBrk="1" latinLnBrk="0" hangingPunct="1">
-              <a:lnSpc>
-                <a:spcPct val="90000"/>
-              </a:lnSpc>
-              <a:spcBef>
-                <a:spcPts val="500"/>
-              </a:spcBef>
-              <a:buFont typeface="Arial" panose="020B0604020202020204" pitchFamily="34" charset="0"/>
-              <a:buChar char="•"/>
-              <a:defRPr sz="1800" kern="1200">
-                <a:solidFill>
-                  <a:schemeClr val="tx1"/>
-                </a:solidFill>
-                <a:latin typeface="+mn-lt"/>
-                <a:ea typeface="+mn-ea"/>
-                <a:cs typeface="+mn-cs"/>
-              </a:defRPr>
-            </a:lvl6pPr>
-            <a:lvl7pPr marL="2971800" indent="-228600" algn="l" defTabSz="914400" rtl="0" eaLnBrk="1" latinLnBrk="0" hangingPunct="1">
-              <a:lnSpc>
-                <a:spcPct val="90000"/>
-              </a:lnSpc>
-              <a:spcBef>
-                <a:spcPts val="500"/>
-              </a:spcBef>
-              <a:buFont typeface="Arial" panose="020B0604020202020204" pitchFamily="34" charset="0"/>
-              <a:buChar char="•"/>
-              <a:defRPr sz="1800" kern="1200">
-                <a:solidFill>
-                  <a:schemeClr val="tx1"/>
-                </a:solidFill>
-                <a:latin typeface="+mn-lt"/>
-                <a:ea typeface="+mn-ea"/>
-                <a:cs typeface="+mn-cs"/>
-              </a:defRPr>
-            </a:lvl7pPr>
-            <a:lvl8pPr marL="3429000" indent="-228600" algn="l" defTabSz="914400" rtl="0" eaLnBrk="1" latinLnBrk="0" hangingPunct="1">
-              <a:lnSpc>
-                <a:spcPct val="90000"/>
-              </a:lnSpc>
-              <a:spcBef>
-                <a:spcPts val="500"/>
-              </a:spcBef>
-              <a:buFont typeface="Arial" panose="020B0604020202020204" pitchFamily="34" charset="0"/>
-              <a:buChar char="•"/>
-              <a:defRPr sz="1800" kern="1200">
-                <a:solidFill>
-                  <a:schemeClr val="tx1"/>
-                </a:solidFill>
-                <a:latin typeface="+mn-lt"/>
-                <a:ea typeface="+mn-ea"/>
-                <a:cs typeface="+mn-cs"/>
-              </a:defRPr>
-            </a:lvl8pPr>
-            <a:lvl9pPr marL="3886200" indent="-228600" algn="l" defTabSz="914400" rtl="0" eaLnBrk="1" latinLnBrk="0" hangingPunct="1">
-              <a:lnSpc>
-                <a:spcPct val="90000"/>
-              </a:lnSpc>
-              <a:spcBef>
-                <a:spcPts val="500"/>
-              </a:spcBef>
-              <a:buFont typeface="Arial" panose="020B0604020202020204" pitchFamily="34" charset="0"/>
-              <a:buChar char="•"/>
-              <a:defRPr sz="1800" kern="1200">
-                <a:solidFill>
-                  <a:schemeClr val="tx1"/>
-                </a:solidFill>
-                <a:latin typeface="+mn-lt"/>
-                <a:ea typeface="+mn-ea"/>
-                <a:cs typeface="+mn-cs"/>
-              </a:defRPr>
-            </a:lvl9pPr>
-          </a:lstStyle>
-          <a:p>
-            <a:pPr marL="0" indent="0">
-              <a:buNone/>
-            </a:pPr>
-            <a:r>
-              <a:rPr lang="it-IT" sz="2000" dirty="0">
-                <a:latin typeface="JetBrains Mono" pitchFamily="2" charset="0"/>
-              </a:rPr>
-              <a:t>Y algo un poco más complicado (creo). A partir de dos lineas dibujadas que forman un ángulo, dibujar una línea que sea la bisectriz de las anteriores. (</a:t>
-            </a:r>
-            <a:r>
-              <a:rPr lang="it-IT" sz="2000" dirty="0">
-                <a:solidFill>
-                  <a:srgbClr val="0070C0"/>
-                </a:solidFill>
-                <a:latin typeface="JetBrains Mono" pitchFamily="2" charset="0"/>
-              </a:rPr>
-              <a:t>getangle </a:t>
-            </a:r>
-            <a:r>
-              <a:rPr lang="it-IT" sz="2000" dirty="0">
-                <a:solidFill>
-                  <a:srgbClr val="D755BE"/>
-                </a:solidFill>
-                <a:latin typeface="JetBrains Mono" pitchFamily="2" charset="0"/>
-              </a:rPr>
-              <a:t>msg</a:t>
-            </a:r>
-            <a:r>
-              <a:rPr lang="it-IT" sz="2000" dirty="0">
-                <a:latin typeface="JetBrains Mono" pitchFamily="2" charset="0"/>
-              </a:rPr>
-              <a:t>) nos devuelve el ángulo en radianes entre dos puntos. (</a:t>
-            </a:r>
-            <a:r>
-              <a:rPr lang="it-IT" sz="2000" dirty="0">
-                <a:solidFill>
-                  <a:srgbClr val="0070C0"/>
-                </a:solidFill>
-                <a:latin typeface="JetBrains Mono" pitchFamily="2" charset="0"/>
-              </a:rPr>
-              <a:t>getangle</a:t>
-            </a:r>
-            <a:r>
-              <a:rPr lang="it-IT" sz="2000" dirty="0">
-                <a:latin typeface="JetBrains Mono" pitchFamily="2" charset="0"/>
-              </a:rPr>
-              <a:t> </a:t>
-            </a:r>
-            <a:r>
-              <a:rPr lang="it-IT" sz="2000" dirty="0">
-                <a:solidFill>
-                  <a:srgbClr val="FF0000"/>
-                </a:solidFill>
-                <a:latin typeface="JetBrains Mono" pitchFamily="2" charset="0"/>
-              </a:rPr>
-              <a:t>punto1</a:t>
-            </a:r>
-            <a:r>
-              <a:rPr lang="it-IT" sz="2000" dirty="0">
-                <a:latin typeface="JetBrains Mono" pitchFamily="2" charset="0"/>
-              </a:rPr>
-              <a:t> </a:t>
-            </a:r>
-            <a:r>
-              <a:rPr lang="it-IT" sz="2000" dirty="0">
-                <a:solidFill>
-                  <a:srgbClr val="D755BE"/>
-                </a:solidFill>
-                <a:latin typeface="JetBrains Mono" pitchFamily="2" charset="0"/>
-              </a:rPr>
-              <a:t>msg</a:t>
-            </a:r>
-            <a:r>
-              <a:rPr lang="it-IT" sz="2000" dirty="0">
-                <a:latin typeface="JetBrains Mono" pitchFamily="2" charset="0"/>
-              </a:rPr>
-              <a:t>) Nos devuelve le ángulo en radianes entre el punto </a:t>
-            </a:r>
-            <a:r>
-              <a:rPr lang="it-IT" sz="2000" dirty="0">
-                <a:solidFill>
-                  <a:srgbClr val="FF0000"/>
-                </a:solidFill>
-                <a:latin typeface="JetBrains Mono" pitchFamily="2" charset="0"/>
-              </a:rPr>
-              <a:t>punto1</a:t>
-            </a:r>
-            <a:r>
-              <a:rPr lang="it-IT" sz="2000" dirty="0">
-                <a:latin typeface="JetBrains Mono" pitchFamily="2" charset="0"/>
-              </a:rPr>
-              <a:t> y el que piquemos en pantalla.</a:t>
-            </a:r>
-            <a:endParaRPr lang="es-AR" sz="2000" dirty="0">
-              <a:solidFill>
-                <a:srgbClr val="0070C0"/>
-              </a:solidFill>
-              <a:latin typeface="JetBrains Mono" pitchFamily="2" charset="0"/>
-            </a:endParaRPr>
+            <a:r>
+              <a:rPr lang="it-IT" sz="2000" dirty="0">
+                <a:solidFill>
+                  <a:srgbClr val="00B050"/>
+                </a:solidFill>
+                <a:latin typeface="JetBrains Mono" pitchFamily="2" charset="0"/>
+              </a:rPr>
+              <a:t>)</a:t>
+            </a:r>
           </a:p>
         </p:txBody>
       </p:sp>
     </p:spTree>
     <p:extLst>
       <p:ext uri="{BB962C8B-B14F-4D97-AF65-F5344CB8AC3E}">
-        <p14:creationId xmlns:p14="http://schemas.microsoft.com/office/powerpoint/2010/main" val="2082031812"/>
+        <p14:creationId xmlns:p14="http://schemas.microsoft.com/office/powerpoint/2010/main" val="392215547"/>
       </p:ext>
     </p:extLst>
   </p:cSld>
   <p:clrMapOvr>
     <a:masterClrMapping/>
   </p:clrMapOvr>
-  <p:timing>
-    <p:tnLst>
-      <p:par>
-        <p:cTn id="1" dur="indefinite" restart="never" nodeType="tmRoot">
-          <p:childTnLst>
-            <p:seq concurrent="1" nextAc="seek">
-              <p:cTn id="2" dur="indefinite" nodeType="mainSeq">
-                <p:childTnLst>
-                  <p:par>
-                    <p:cTn id="3" fill="hold">
-                      <p:stCondLst>
-                        <p:cond delay="indefinite"/>
-                      </p:stCondLst>
-                      <p:childTnLst>
-                        <p:par>
-                          <p:cTn id="4" fill="hold">
-                            <p:stCondLst>
-                              <p:cond delay="0"/>
-                            </p:stCondLst>
-                            <p:childTnLst>
-                              <p:par>
-                                <p:cTn id="5" presetID="1" presetClass="entr" presetSubtype="0" fill="hold" nodeType="clickEffect">
-                                  <p:stCondLst>
-                                    <p:cond delay="0"/>
-                                  </p:stCondLst>
-                                  <p:childTnLst>
-                                    <p:set>
-                                      <p:cBhvr>
-                                        <p:cTn id="6" dur="1" fill="hold">
-                                          <p:stCondLst>
-                                            <p:cond delay="0"/>
-                                          </p:stCondLst>
-                                        </p:cTn>
-                                        <p:tgtEl>
-                                          <p:spTgt spid="10"/>
-                                        </p:tgtEl>
-                                        <p:attrNameLst>
-                                          <p:attrName>style.visibility</p:attrName>
-                                        </p:attrNameLst>
-                                      </p:cBhvr>
-                                      <p:to>
-                                        <p:strVal val="visible"/>
-                                      </p:to>
-                                    </p:set>
-                                  </p:childTnLst>
-                                </p:cTn>
-                              </p:par>
-                            </p:childTnLst>
-                          </p:cTn>
-                        </p:par>
-                      </p:childTnLst>
-                    </p:cTn>
-                  </p:par>
-                  <p:par>
-                    <p:cTn id="7" fill="hold">
-                      <p:stCondLst>
-                        <p:cond delay="indefinite"/>
-                      </p:stCondLst>
-                      <p:childTnLst>
-                        <p:par>
-                          <p:cTn id="8" fill="hold">
-                            <p:stCondLst>
-                              <p:cond delay="0"/>
-                            </p:stCondLst>
-                            <p:childTnLst>
-                              <p:par>
-                                <p:cTn id="9" presetID="1" presetClass="entr" presetSubtype="0" fill="hold" grpId="0" nodeType="clickEffect">
-                                  <p:stCondLst>
-                                    <p:cond delay="0"/>
-                                  </p:stCondLst>
-                                  <p:childTnLst>
-                                    <p:set>
-                                      <p:cBhvr>
-                                        <p:cTn id="10" dur="1" fill="hold">
-                                          <p:stCondLst>
-                                            <p:cond delay="0"/>
-                                          </p:stCondLst>
-                                        </p:cTn>
-                                        <p:tgtEl>
-                                          <p:spTgt spid="5"/>
-                                        </p:tgtEl>
-                                        <p:attrNameLst>
-                                          <p:attrName>style.visibility</p:attrName>
-                                        </p:attrNameLst>
-                                      </p:cBhvr>
-                                      <p:to>
-                                        <p:strVal val="visible"/>
-                                      </p:to>
-                                    </p:set>
-                                  </p:childTnLst>
-                                </p:cTn>
-                              </p:par>
-                              <p:par>
-                                <p:cTn id="11" presetID="1" presetClass="entr" presetSubtype="0" fill="hold" grpId="0" nodeType="withEffect">
-                                  <p:stCondLst>
-                                    <p:cond delay="0"/>
-                                  </p:stCondLst>
-                                  <p:childTnLst>
-                                    <p:set>
-                                      <p:cBhvr>
-                                        <p:cTn id="12" dur="1" fill="hold">
-                                          <p:stCondLst>
-                                            <p:cond delay="0"/>
-                                          </p:stCondLst>
-                                        </p:cTn>
-                                        <p:tgtEl>
-                                          <p:spTgt spid="7"/>
-                                        </p:tgtEl>
-                                        <p:attrNameLst>
-                                          <p:attrName>style.visibility</p:attrName>
-                                        </p:attrNameLst>
-                                      </p:cBhvr>
-                                      <p:to>
-                                        <p:strVal val="visible"/>
-                                      </p:to>
-                                    </p:set>
-                                  </p:childTnLst>
-                                </p:cTn>
-                              </p:par>
-                              <p:par>
-                                <p:cTn id="13" presetID="1" presetClass="entr" presetSubtype="0" fill="hold" grpId="0" nodeType="withEffect">
-                                  <p:stCondLst>
-                                    <p:cond delay="0"/>
-                                  </p:stCondLst>
-                                  <p:childTnLst>
-                                    <p:set>
-                                      <p:cBhvr>
-                                        <p:cTn id="14" dur="1" fill="hold">
-                                          <p:stCondLst>
-                                            <p:cond delay="0"/>
-                                          </p:stCondLst>
-                                        </p:cTn>
-                                        <p:tgtEl>
-                                          <p:spTgt spid="8"/>
-                                        </p:tgtEl>
-                                        <p:attrNameLst>
-                                          <p:attrName>style.visibility</p:attrName>
-                                        </p:attrNameLst>
-                                      </p:cBhvr>
-                                      <p:to>
-                                        <p:strVal val="visible"/>
-                                      </p:to>
-                                    </p:set>
-                                  </p:childTnLst>
-                                </p:cTn>
-                              </p:par>
-                            </p:childTnLst>
-                          </p:cTn>
-                        </p:par>
-                      </p:childTnLst>
-                    </p:cTn>
-                  </p:par>
-                  <p:par>
-                    <p:cTn id="15" fill="hold">
-                      <p:stCondLst>
-                        <p:cond delay="indefinite"/>
-                      </p:stCondLst>
-                      <p:childTnLst>
-                        <p:par>
-                          <p:cTn id="16" fill="hold">
-                            <p:stCondLst>
-                              <p:cond delay="0"/>
-                            </p:stCondLst>
-                            <p:childTnLst>
-                              <p:par>
-                                <p:cTn id="17" presetID="1" presetClass="exit" presetSubtype="0" fill="hold" nodeType="clickEffect">
-                                  <p:stCondLst>
-                                    <p:cond delay="0"/>
-                                  </p:stCondLst>
-                                  <p:childTnLst>
-                                    <p:set>
-                                      <p:cBhvr>
-                                        <p:cTn id="18" dur="1" fill="hold">
-                                          <p:stCondLst>
-                                            <p:cond delay="0"/>
-                                          </p:stCondLst>
-                                        </p:cTn>
-                                        <p:tgtEl>
-                                          <p:spTgt spid="10"/>
-                                        </p:tgtEl>
-                                        <p:attrNameLst>
-                                          <p:attrName>style.visibility</p:attrName>
-                                        </p:attrNameLst>
-                                      </p:cBhvr>
-                                      <p:to>
-                                        <p:strVal val="hidden"/>
-                                      </p:to>
-                                    </p:set>
-                                  </p:childTnLst>
-                                </p:cTn>
-                              </p:par>
-                            </p:childTnLst>
-                          </p:cTn>
-                        </p:par>
-                      </p:childTnLst>
-                    </p:cTn>
-                  </p:par>
-                </p:childTnLst>
-              </p:cTn>
-              <p:prevCondLst>
-                <p:cond evt="onPrev" delay="0">
-                  <p:tgtEl>
-                    <p:sldTgt/>
-                  </p:tgtEl>
-                </p:cond>
-              </p:prevCondLst>
-              <p:nextCondLst>
-                <p:cond evt="onNext" delay="0">
-                  <p:tgtEl>
-                    <p:sldTgt/>
-                  </p:tgtEl>
-                </p:cond>
-              </p:nextCondLst>
-            </p:seq>
-          </p:childTnLst>
-        </p:cTn>
-      </p:par>
-    </p:tnLst>
-    <p:bldLst>
-      <p:bldP spid="5" grpId="0"/>
-      <p:bldP spid="7" grpId="0"/>
-      <p:bldP spid="8" grpId="0"/>
-    </p:bldLst>
-  </p:timing>
 </p:sld>
 </file>
 
